--- a/doc/project/report.pptx
+++ b/doc/project/report.pptx
@@ -6980,10 +6980,10 @@
       </p:sp>
       <p:pic>
         <p:nvPicPr>
-          <p:cNvPr id="4" name="Picture 3" descr="A screenshot of a computer screen&#10;&#10;Description automatically generated">
+          <p:cNvPr id="7" name="Picture 6" descr="A screenshot of a computer&#10;&#10;Description automatically generated">
             <a:extLst>
               <a:ext uri="{FF2B5EF4-FFF2-40B4-BE49-F238E27FC236}">
-                <a16:creationId xmlns:a16="http://schemas.microsoft.com/office/drawing/2014/main" id="{EDC4E59E-610C-2D4F-EEFD-6FB70DACDC96}"/>
+                <a16:creationId xmlns:a16="http://schemas.microsoft.com/office/drawing/2014/main" id="{93FE4FED-19CA-2EAD-A7B4-9CC790F5D573}"/>
               </a:ext>
             </a:extLst>
           </p:cNvPr>
@@ -7000,42 +7000,17 @@
         </p:blipFill>
         <p:spPr>
           <a:xfrm>
-            <a:off x="1" y="1216342"/>
-            <a:ext cx="6360160" cy="3472811"/>
+            <a:off x="458755" y="0"/>
+            <a:ext cx="11274490" cy="6858000"/>
           </a:xfrm>
           <a:prstGeom prst="rect">
             <a:avLst/>
           </a:prstGeom>
-        </p:spPr>
-      </p:pic>
-      <p:pic>
-        <p:nvPicPr>
-          <p:cNvPr id="5" name="Picture 4" descr="A screenshot of a computer&#10;&#10;Description automatically generated">
-            <a:extLst>
-              <a:ext uri="{FF2B5EF4-FFF2-40B4-BE49-F238E27FC236}">
-                <a16:creationId xmlns:a16="http://schemas.microsoft.com/office/drawing/2014/main" id="{D1689DA0-8E05-BF48-BAD6-90F9F30A8950}"/>
-              </a:ext>
-            </a:extLst>
-          </p:cNvPr>
-          <p:cNvPicPr>
-            <a:picLocks noChangeAspect="1"/>
-          </p:cNvPicPr>
-          <p:nvPr/>
-        </p:nvPicPr>
-        <p:blipFill>
-          <a:blip r:embed="rId3"/>
-          <a:stretch>
-            <a:fillRect/>
-          </a:stretch>
-        </p:blipFill>
-        <p:spPr>
-          <a:xfrm>
-            <a:off x="5120639" y="4655302"/>
-            <a:ext cx="7071361" cy="2254479"/>
-          </a:xfrm>
-          <a:prstGeom prst="rect">
-            <a:avLst/>
-          </a:prstGeom>
+          <a:ln w="19050">
+            <a:solidFill>
+              <a:srgbClr val="0070C0"/>
+            </a:solidFill>
+          </a:ln>
         </p:spPr>
       </p:pic>
     </p:spTree>
@@ -7210,6 +7185,41 @@
           </a:p>
         </p:txBody>
       </p:sp>
+      <p:pic>
+        <p:nvPicPr>
+          <p:cNvPr id="5" name="Picture 4" descr="A screenshot of a computer&#10;&#10;Description automatically generated">
+            <a:extLst>
+              <a:ext uri="{FF2B5EF4-FFF2-40B4-BE49-F238E27FC236}">
+                <a16:creationId xmlns:a16="http://schemas.microsoft.com/office/drawing/2014/main" id="{D1689DA0-8E05-BF48-BAD6-90F9F30A8950}"/>
+              </a:ext>
+            </a:extLst>
+          </p:cNvPr>
+          <p:cNvPicPr>
+            <a:picLocks noChangeAspect="1"/>
+          </p:cNvPicPr>
+          <p:nvPr/>
+        </p:nvPicPr>
+        <p:blipFill>
+          <a:blip r:embed="rId2"/>
+          <a:stretch>
+            <a:fillRect/>
+          </a:stretch>
+        </p:blipFill>
+        <p:spPr>
+          <a:xfrm>
+            <a:off x="1838959" y="1993382"/>
+            <a:ext cx="7071361" cy="2254479"/>
+          </a:xfrm>
+          <a:prstGeom prst="rect">
+            <a:avLst/>
+          </a:prstGeom>
+          <a:ln w="19050">
+            <a:solidFill>
+              <a:srgbClr val="0070C0"/>
+            </a:solidFill>
+          </a:ln>
+        </p:spPr>
+      </p:pic>
     </p:spTree>
     <p:extLst>
       <p:ext uri="{BB962C8B-B14F-4D97-AF65-F5344CB8AC3E}">
@@ -9486,7 +9496,40 @@
                 </a:solidFill>
                 <a:latin typeface="Times New Roman" panose="02020603050405020304" pitchFamily="18" charset="0"/>
               </a:rPr>
-              <a:t>ây dựng Dashboard theo dõi</a:t>
+              <a:t>ây dựng Dashboard</a:t>
+            </a:r>
+            <a:r>
+              <a:rPr lang="en-US" sz="2800" cap="none" dirty="0">
+                <a:solidFill>
+                  <a:schemeClr val="bg2">
+                    <a:lumMod val="50000"/>
+                  </a:schemeClr>
+                </a:solidFill>
+                <a:latin typeface="Times New Roman" panose="02020603050405020304" pitchFamily="18" charset="0"/>
+              </a:rPr>
+              <a:t> </a:t>
+            </a:r>
+            <a:r>
+              <a:rPr lang="en-US" sz="2800" cap="none" dirty="0" err="1">
+                <a:solidFill>
+                  <a:schemeClr val="bg2">
+                    <a:lumMod val="50000"/>
+                  </a:schemeClr>
+                </a:solidFill>
+                <a:latin typeface="Times New Roman" panose="02020603050405020304" pitchFamily="18" charset="0"/>
+              </a:rPr>
+              <a:t>để</a:t>
+            </a:r>
+            <a:r>
+              <a:rPr lang="vi-VN" sz="2800" cap="none" dirty="0">
+                <a:solidFill>
+                  <a:schemeClr val="bg2">
+                    <a:lumMod val="50000"/>
+                  </a:schemeClr>
+                </a:solidFill>
+                <a:latin typeface="Times New Roman" panose="02020603050405020304" pitchFamily="18" charset="0"/>
+              </a:rPr>
+              <a:t> theo dõi</a:t>
             </a:r>
             <a:r>
               <a:rPr lang="en-US" sz="2800" cap="none" dirty="0">
@@ -12020,6 +12063,11 @@
           <a:prstGeom prst="rect">
             <a:avLst/>
           </a:prstGeom>
+          <a:ln w="19050">
+            <a:solidFill>
+              <a:srgbClr val="0070C0"/>
+            </a:solidFill>
+          </a:ln>
         </p:spPr>
       </p:pic>
     </p:spTree>
@@ -12516,6 +12564,41 @@
           </a:p>
         </p:txBody>
       </p:sp>
+      <p:pic>
+        <p:nvPicPr>
+          <p:cNvPr id="5" name="Picture 4" descr="A screenshot of a computer&#10;&#10;Description automatically generated">
+            <a:extLst>
+              <a:ext uri="{FF2B5EF4-FFF2-40B4-BE49-F238E27FC236}">
+                <a16:creationId xmlns:a16="http://schemas.microsoft.com/office/drawing/2014/main" id="{C4E61AB0-7109-7384-DCD1-5752D9761C76}"/>
+              </a:ext>
+            </a:extLst>
+          </p:cNvPr>
+          <p:cNvPicPr>
+            <a:picLocks noChangeAspect="1"/>
+          </p:cNvPicPr>
+          <p:nvPr/>
+        </p:nvPicPr>
+        <p:blipFill>
+          <a:blip r:embed="rId2"/>
+          <a:stretch>
+            <a:fillRect/>
+          </a:stretch>
+        </p:blipFill>
+        <p:spPr>
+          <a:xfrm>
+            <a:off x="0" y="2046805"/>
+            <a:ext cx="12192000" cy="2764389"/>
+          </a:xfrm>
+          <a:prstGeom prst="rect">
+            <a:avLst/>
+          </a:prstGeom>
+          <a:ln w="19050">
+            <a:solidFill>
+              <a:srgbClr val="0070C0"/>
+            </a:solidFill>
+          </a:ln>
+        </p:spPr>
+      </p:pic>
     </p:spTree>
     <p:extLst>
       <p:ext uri="{BB962C8B-B14F-4D97-AF65-F5344CB8AC3E}">

--- a/doc/project/report.pptx
+++ b/doc/project/report.pptx
@@ -127,6 +127,33 @@
     </p:ext>
   </p:extLst>
 </p:presentation>
+</file>
+
+<file path=ppt/authors.xml><?xml version="1.0" encoding="utf-8"?>
+<p188:authorLst xmlns:a="http://schemas.openxmlformats.org/drawingml/2006/main" xmlns:r="http://schemas.openxmlformats.org/officeDocument/2006/relationships" xmlns:p188="http://schemas.microsoft.com/office/powerpoint/2018/8/main">
+  <p188:author id="{36234832-0174-3F62-5F17-05FA06B7B584}" name="ĐỖ THỊ THANH THẢO" initials="TĐ" userId="S::23C23009@student.hcmus.edu.vn::c927aeff-9ce6-405b-bff6-1e8a4fae7a23" providerId="AD"/>
+</p188:authorLst>
+</file>
+
+<file path=ppt/comments/modernComment_132_79638CA3.xml><?xml version="1.0" encoding="utf-8"?>
+<p188:cmLst xmlns:a="http://schemas.openxmlformats.org/drawingml/2006/main" xmlns:r="http://schemas.openxmlformats.org/officeDocument/2006/relationships" xmlns:p188="http://schemas.microsoft.com/office/powerpoint/2018/8/main">
+  <p188:cm id="{592D1BD3-07B2-4194-96E6-FCC5E3BA3E5A}" authorId="{36234832-0174-3F62-5F17-05FA06B7B584}" created="2024-11-16T14:57:34.649">
+    <pc:sldMkLst xmlns:pc="http://schemas.microsoft.com/office/powerpoint/2013/main/command">
+      <pc:docMk/>
+      <pc:sldMk cId="2036567203" sldId="306"/>
+    </pc:sldMkLst>
+    <p188:txBody>
+      <a:bodyPr/>
+      <a:lstStyle/>
+      <a:p>
+        <a:r>
+          <a:rPr lang="en-US"/>
+          <a:t>Thiếu dashboard</a:t>
+        </a:r>
+      </a:p>
+    </p188:txBody>
+  </p188:cm>
+</p188:cmLst>
 </file>
 
 <file path=ppt/slideLayouts/slideLayout1.xml><?xml version="1.0" encoding="utf-8"?>
@@ -6994,14 +7021,13 @@
         </p:nvPicPr>
         <p:blipFill>
           <a:blip r:embed="rId2"/>
-          <a:stretch>
-            <a:fillRect/>
-          </a:stretch>
+          <a:srcRect r="19419" b="26485"/>
+          <a:stretch/>
         </p:blipFill>
         <p:spPr>
           <a:xfrm>
-            <a:off x="458755" y="0"/>
-            <a:ext cx="11274490" cy="6858000"/>
+            <a:off x="179461" y="1427147"/>
+            <a:ext cx="9655482" cy="5358213"/>
           </a:xfrm>
           <a:prstGeom prst="rect">
             <a:avLst/>
@@ -7724,6 +7750,11 @@
   <p:clrMapOvr>
     <a:masterClrMapping/>
   </p:clrMapOvr>
+  <p:extLst>
+    <p:ext uri="{6950BFC3-D8DA-4A85-94F7-54DA5524770B}">
+      <p188:commentRel xmlns:p188="http://schemas.microsoft.com/office/powerpoint/2018/8/main" r:id="rId2"/>
+    </p:ext>
+  </p:extLst>
 </p:sld>
 </file>
 
@@ -12057,8 +12088,8 @@
         </p:blipFill>
         <p:spPr>
           <a:xfrm>
-            <a:off x="1606610" y="1510025"/>
-            <a:ext cx="3713337" cy="4970265"/>
+            <a:off x="1606609" y="1407665"/>
+            <a:ext cx="4007977" cy="5364637"/>
           </a:xfrm>
           <a:prstGeom prst="rect">
             <a:avLst/>

--- a/doc/project/report.pptx
+++ b/doc/project/report.pptx
@@ -14,15 +14,16 @@
     <p:sldId id="302" r:id="rId8"/>
     <p:sldId id="298" r:id="rId9"/>
     <p:sldId id="303" r:id="rId10"/>
-    <p:sldId id="299" r:id="rId11"/>
-    <p:sldId id="304" r:id="rId12"/>
-    <p:sldId id="305" r:id="rId13"/>
-    <p:sldId id="300" r:id="rId14"/>
-    <p:sldId id="306" r:id="rId15"/>
-    <p:sldId id="307" r:id="rId16"/>
-    <p:sldId id="308" r:id="rId17"/>
-    <p:sldId id="301" r:id="rId18"/>
-    <p:sldId id="287" r:id="rId19"/>
+    <p:sldId id="310" r:id="rId11"/>
+    <p:sldId id="299" r:id="rId12"/>
+    <p:sldId id="304" r:id="rId13"/>
+    <p:sldId id="305" r:id="rId14"/>
+    <p:sldId id="300" r:id="rId15"/>
+    <p:sldId id="306" r:id="rId16"/>
+    <p:sldId id="307" r:id="rId17"/>
+    <p:sldId id="308" r:id="rId18"/>
+    <p:sldId id="301" r:id="rId19"/>
+    <p:sldId id="287" r:id="rId20"/>
   </p:sldIdLst>
   <p:sldSz cx="12192000" cy="6858000"/>
   <p:notesSz cx="6858000" cy="9144000"/>
@@ -327,7 +328,7 @@
           <a:p>
             <a:fld id="{48A87A34-81AB-432B-8DAE-1953F412C126}" type="datetimeFigureOut">
               <a:rPr lang="en-US" dirty="0"/>
-              <a:t>11/16/2024</a:t>
+              <a:t>11/17/2024</a:t>
             </a:fld>
             <a:endParaRPr lang="en-US" dirty="0"/>
           </a:p>
@@ -634,7 +635,7 @@
           <a:p>
             <a:fld id="{48A87A34-81AB-432B-8DAE-1953F412C126}" type="datetimeFigureOut">
               <a:rPr lang="en-US" dirty="0"/>
-              <a:t>11/16/2024</a:t>
+              <a:t>11/17/2024</a:t>
             </a:fld>
             <a:endParaRPr lang="en-US" dirty="0"/>
           </a:p>
@@ -851,7 +852,7 @@
           <a:p>
             <a:fld id="{48A87A34-81AB-432B-8DAE-1953F412C126}" type="datetimeFigureOut">
               <a:rPr lang="en-US" dirty="0"/>
-              <a:t>11/16/2024</a:t>
+              <a:t>11/17/2024</a:t>
             </a:fld>
             <a:endParaRPr lang="en-US" dirty="0"/>
           </a:p>
@@ -1137,7 +1138,7 @@
           <a:p>
             <a:fld id="{48A87A34-81AB-432B-8DAE-1953F412C126}" type="datetimeFigureOut">
               <a:rPr lang="en-US" dirty="0"/>
-              <a:t>11/16/2024</a:t>
+              <a:t>11/17/2024</a:t>
             </a:fld>
             <a:endParaRPr lang="en-US" dirty="0"/>
           </a:p>
@@ -1586,7 +1587,7 @@
           <a:p>
             <a:fld id="{48A87A34-81AB-432B-8DAE-1953F412C126}" type="datetimeFigureOut">
               <a:rPr lang="en-US" dirty="0"/>
-              <a:t>11/16/2024</a:t>
+              <a:t>11/17/2024</a:t>
             </a:fld>
             <a:endParaRPr lang="en-US" dirty="0"/>
           </a:p>
@@ -2157,7 +2158,7 @@
           <a:p>
             <a:fld id="{48A87A34-81AB-432B-8DAE-1953F412C126}" type="datetimeFigureOut">
               <a:rPr lang="en-US" dirty="0"/>
-              <a:t>11/16/2024</a:t>
+              <a:t>11/17/2024</a:t>
             </a:fld>
             <a:endParaRPr lang="en-US" dirty="0"/>
           </a:p>
@@ -3004,7 +3005,7 @@
           <a:p>
             <a:fld id="{48A87A34-81AB-432B-8DAE-1953F412C126}" type="datetimeFigureOut">
               <a:rPr lang="en-US" dirty="0"/>
-              <a:t>11/16/2024</a:t>
+              <a:t>11/17/2024</a:t>
             </a:fld>
             <a:endParaRPr lang="en-US" dirty="0"/>
           </a:p>
@@ -3204,7 +3205,7 @@
           <a:p>
             <a:fld id="{48A87A34-81AB-432B-8DAE-1953F412C126}" type="datetimeFigureOut">
               <a:rPr lang="en-US" dirty="0"/>
-              <a:t>11/16/2024</a:t>
+              <a:t>11/17/2024</a:t>
             </a:fld>
             <a:endParaRPr lang="en-US" dirty="0"/>
           </a:p>
@@ -3413,7 +3414,7 @@
           <a:p>
             <a:fld id="{48A87A34-81AB-432B-8DAE-1953F412C126}" type="datetimeFigureOut">
               <a:rPr lang="en-US" dirty="0"/>
-              <a:t>11/16/2024</a:t>
+              <a:t>11/17/2024</a:t>
             </a:fld>
             <a:endParaRPr lang="en-US" dirty="0"/>
           </a:p>
@@ -3613,7 +3614,7 @@
           <a:p>
             <a:fld id="{48A87A34-81AB-432B-8DAE-1953F412C126}" type="datetimeFigureOut">
               <a:rPr lang="en-US" dirty="0"/>
-              <a:t>11/16/2024</a:t>
+              <a:t>11/17/2024</a:t>
             </a:fld>
             <a:endParaRPr lang="en-US" dirty="0"/>
           </a:p>
@@ -3888,7 +3889,7 @@
           <a:p>
             <a:fld id="{48A87A34-81AB-432B-8DAE-1953F412C126}" type="datetimeFigureOut">
               <a:rPr lang="en-US" dirty="0"/>
-              <a:t>11/16/2024</a:t>
+              <a:t>11/17/2024</a:t>
             </a:fld>
             <a:endParaRPr lang="en-US" dirty="0"/>
           </a:p>
@@ -4150,7 +4151,7 @@
           <a:p>
             <a:fld id="{48A87A34-81AB-432B-8DAE-1953F412C126}" type="datetimeFigureOut">
               <a:rPr lang="en-US" dirty="0"/>
-              <a:t>11/16/2024</a:t>
+              <a:t>11/17/2024</a:t>
             </a:fld>
             <a:endParaRPr lang="en-US" dirty="0"/>
           </a:p>
@@ -4560,7 +4561,7 @@
           <a:p>
             <a:fld id="{48A87A34-81AB-432B-8DAE-1953F412C126}" type="datetimeFigureOut">
               <a:rPr lang="en-US" dirty="0"/>
-              <a:t>11/16/2024</a:t>
+              <a:t>11/17/2024</a:t>
             </a:fld>
             <a:endParaRPr lang="en-US" dirty="0"/>
           </a:p>
@@ -4703,7 +4704,7 @@
           <a:p>
             <a:fld id="{48A87A34-81AB-432B-8DAE-1953F412C126}" type="datetimeFigureOut">
               <a:rPr lang="en-US" dirty="0"/>
-              <a:t>11/16/2024</a:t>
+              <a:t>11/17/2024</a:t>
             </a:fld>
             <a:endParaRPr lang="en-US" dirty="0"/>
           </a:p>
@@ -4823,7 +4824,7 @@
           <a:p>
             <a:fld id="{48A87A34-81AB-432B-8DAE-1953F412C126}" type="datetimeFigureOut">
               <a:rPr lang="en-US" dirty="0"/>
-              <a:t>11/16/2024</a:t>
+              <a:t>11/17/2024</a:t>
             </a:fld>
             <a:endParaRPr lang="en-US" dirty="0"/>
           </a:p>
@@ -5097,7 +5098,7 @@
           <a:p>
             <a:fld id="{48A87A34-81AB-432B-8DAE-1953F412C126}" type="datetimeFigureOut">
               <a:rPr lang="en-US" dirty="0"/>
-              <a:t>11/16/2024</a:t>
+              <a:t>11/17/2024</a:t>
             </a:fld>
             <a:endParaRPr lang="en-US" dirty="0"/>
           </a:p>
@@ -5404,7 +5405,7 @@
           <a:p>
             <a:fld id="{48A87A34-81AB-432B-8DAE-1953F412C126}" type="datetimeFigureOut">
               <a:rPr lang="en-US" dirty="0"/>
-              <a:t>11/16/2024</a:t>
+              <a:t>11/17/2024</a:t>
             </a:fld>
             <a:endParaRPr lang="en-US" dirty="0"/>
           </a:p>
@@ -5653,7 +5654,7 @@
             <a:fld id="{48A87A34-81AB-432B-8DAE-1953F412C126}" type="datetimeFigureOut">
               <a:rPr lang="en-US" dirty="0"/>
               <a:pPr/>
-              <a:t>11/16/2024</a:t>
+              <a:t>11/17/2024</a:t>
             </a:fld>
             <a:endParaRPr lang="en-US" dirty="0"/>
           </a:p>
@@ -6495,6 +6496,233 @@
         <p:cNvPr id="1" name="">
           <a:extLst>
             <a:ext uri="{FF2B5EF4-FFF2-40B4-BE49-F238E27FC236}">
+              <a16:creationId xmlns:a16="http://schemas.microsoft.com/office/drawing/2014/main" id="{0CFE02D7-DFB2-E741-8BB0-B1CA89629629}"/>
+            </a:ext>
+          </a:extLst>
+        </p:cNvPr>
+        <p:cNvGrpSpPr/>
+        <p:nvPr/>
+      </p:nvGrpSpPr>
+      <p:grpSpPr>
+        <a:xfrm>
+          <a:off x="0" y="0"/>
+          <a:ext cx="0" cy="0"/>
+          <a:chOff x="0" y="0"/>
+          <a:chExt cx="0" cy="0"/>
+        </a:xfrm>
+      </p:grpSpPr>
+      <p:sp>
+        <p:nvSpPr>
+          <p:cNvPr id="2" name="Title 1">
+            <a:extLst>
+              <a:ext uri="{FF2B5EF4-FFF2-40B4-BE49-F238E27FC236}">
+                <a16:creationId xmlns:a16="http://schemas.microsoft.com/office/drawing/2014/main" id="{029238C3-FD86-BCFC-133D-85CD192056F6}"/>
+              </a:ext>
+            </a:extLst>
+          </p:cNvPr>
+          <p:cNvSpPr>
+            <a:spLocks noGrp="1"/>
+          </p:cNvSpPr>
+          <p:nvPr>
+            <p:ph type="ctrTitle"/>
+          </p:nvPr>
+        </p:nvSpPr>
+        <p:spPr>
+          <a:xfrm>
+            <a:off x="7614303" y="0"/>
+            <a:ext cx="4577698" cy="1051133"/>
+          </a:xfrm>
+        </p:spPr>
+        <p:txBody>
+          <a:bodyPr>
+            <a:normAutofit/>
+          </a:bodyPr>
+          <a:lstStyle/>
+          <a:p>
+            <a:r>
+              <a:rPr lang="en-US" b="1" dirty="0">
+                <a:solidFill>
+                  <a:srgbClr val="FF0000"/>
+                </a:solidFill>
+                <a:latin typeface="Times New Roman" panose="02020603050405020304" pitchFamily="18" charset="0"/>
+                <a:cs typeface="Times New Roman" panose="02020603050405020304" pitchFamily="18" charset="0"/>
+              </a:rPr>
+              <a:t>PIPELINES - 2</a:t>
+            </a:r>
+          </a:p>
+        </p:txBody>
+      </p:sp>
+      <p:sp>
+        <p:nvSpPr>
+          <p:cNvPr id="3" name="Subtitle 2">
+            <a:extLst>
+              <a:ext uri="{FF2B5EF4-FFF2-40B4-BE49-F238E27FC236}">
+                <a16:creationId xmlns:a16="http://schemas.microsoft.com/office/drawing/2014/main" id="{127B0049-5C9D-8F20-5539-DD8BCCC2FDB1}"/>
+              </a:ext>
+            </a:extLst>
+          </p:cNvPr>
+          <p:cNvSpPr>
+            <a:spLocks noGrp="1"/>
+          </p:cNvSpPr>
+          <p:nvPr>
+            <p:ph type="subTitle" idx="1"/>
+          </p:nvPr>
+        </p:nvSpPr>
+        <p:spPr>
+          <a:xfrm>
+            <a:off x="0" y="1316052"/>
+            <a:ext cx="12192000" cy="5358213"/>
+          </a:xfrm>
+        </p:spPr>
+        <p:txBody>
+          <a:bodyPr>
+            <a:normAutofit/>
+          </a:bodyPr>
+          <a:lstStyle/>
+          <a:p>
+            <a:pPr marL="742950" lvl="1" indent="-285750" algn="just">
+              <a:lnSpc>
+                <a:spcPct val="115000"/>
+              </a:lnSpc>
+              <a:spcAft>
+                <a:spcPts val="600"/>
+              </a:spcAft>
+              <a:buFont typeface="Courier New" panose="02070309020205020404" pitchFamily="49" charset="0"/>
+              <a:buChar char="o"/>
+            </a:pPr>
+            <a:endParaRPr lang="en-US" sz="1800" cap="none" dirty="0">
+              <a:solidFill>
+                <a:schemeClr val="bg2">
+                  <a:lumMod val="50000"/>
+                </a:schemeClr>
+              </a:solidFill>
+              <a:effectLst/>
+              <a:latin typeface="Arial" panose="020B0604020202020204" pitchFamily="34" charset="0"/>
+              <a:ea typeface="Arial" panose="020B0604020202020204" pitchFamily="34" charset="0"/>
+            </a:endParaRPr>
+          </a:p>
+          <a:p>
+            <a:pPr algn="l">
+              <a:buClr>
+                <a:schemeClr val="bg2">
+                  <a:lumMod val="50000"/>
+                </a:schemeClr>
+              </a:buClr>
+            </a:pPr>
+            <a:endParaRPr lang="en-US" sz="1800" cap="none" dirty="0">
+              <a:solidFill>
+                <a:schemeClr val="bg2">
+                  <a:lumMod val="50000"/>
+                </a:schemeClr>
+              </a:solidFill>
+              <a:latin typeface="Times New Roman" panose="02020603050405020304" pitchFamily="18" charset="0"/>
+            </a:endParaRPr>
+          </a:p>
+        </p:txBody>
+      </p:sp>
+      <p:pic>
+        <p:nvPicPr>
+          <p:cNvPr id="6" name="Picture 5" descr="A screenshot of a computer&#10;&#10;Description automatically generated">
+            <a:extLst>
+              <a:ext uri="{FF2B5EF4-FFF2-40B4-BE49-F238E27FC236}">
+                <a16:creationId xmlns:a16="http://schemas.microsoft.com/office/drawing/2014/main" id="{4D1DC5AB-7052-F065-90D2-36FD8C9301A4}"/>
+              </a:ext>
+            </a:extLst>
+          </p:cNvPr>
+          <p:cNvPicPr>
+            <a:picLocks noChangeAspect="1"/>
+          </p:cNvPicPr>
+          <p:nvPr/>
+        </p:nvPicPr>
+        <p:blipFill>
+          <a:blip r:embed="rId2">
+            <a:extLst>
+              <a:ext uri="{28A0092B-C50C-407E-A947-70E740481C1C}">
+                <a14:useLocalDpi xmlns:a14="http://schemas.microsoft.com/office/drawing/2010/main" val="0"/>
+              </a:ext>
+            </a:extLst>
+          </a:blip>
+          <a:stretch>
+            <a:fillRect/>
+          </a:stretch>
+        </p:blipFill>
+        <p:spPr>
+          <a:xfrm>
+            <a:off x="2062480" y="1208360"/>
+            <a:ext cx="7863840" cy="2416109"/>
+          </a:xfrm>
+          <a:prstGeom prst="rect">
+            <a:avLst/>
+          </a:prstGeom>
+          <a:ln w="19050">
+            <a:solidFill>
+              <a:srgbClr val="0070C0"/>
+            </a:solidFill>
+          </a:ln>
+        </p:spPr>
+      </p:pic>
+      <p:pic>
+        <p:nvPicPr>
+          <p:cNvPr id="7" name="Picture 6" descr="A screenshot of a computer&#10;&#10;Description automatically generated">
+            <a:extLst>
+              <a:ext uri="{FF2B5EF4-FFF2-40B4-BE49-F238E27FC236}">
+                <a16:creationId xmlns:a16="http://schemas.microsoft.com/office/drawing/2014/main" id="{B6DC97B6-9625-A519-C1D9-8F485FADF8EE}"/>
+              </a:ext>
+            </a:extLst>
+          </p:cNvPr>
+          <p:cNvPicPr>
+            <a:picLocks noChangeAspect="1"/>
+          </p:cNvPicPr>
+          <p:nvPr/>
+        </p:nvPicPr>
+        <p:blipFill>
+          <a:blip r:embed="rId3">
+            <a:extLst>
+              <a:ext uri="{28A0092B-C50C-407E-A947-70E740481C1C}">
+                <a14:useLocalDpi xmlns:a14="http://schemas.microsoft.com/office/drawing/2010/main" val="0"/>
+              </a:ext>
+            </a:extLst>
+          </a:blip>
+          <a:stretch>
+            <a:fillRect/>
+          </a:stretch>
+        </p:blipFill>
+        <p:spPr>
+          <a:xfrm>
+            <a:off x="2062480" y="3781696"/>
+            <a:ext cx="7863840" cy="2952733"/>
+          </a:xfrm>
+          <a:prstGeom prst="rect">
+            <a:avLst/>
+          </a:prstGeom>
+          <a:ln w="19050">
+            <a:solidFill>
+              <a:srgbClr val="0070C0"/>
+            </a:solidFill>
+          </a:ln>
+        </p:spPr>
+      </p:pic>
+    </p:spTree>
+    <p:extLst>
+      <p:ext uri="{BB962C8B-B14F-4D97-AF65-F5344CB8AC3E}">
+        <p14:creationId xmlns:p14="http://schemas.microsoft.com/office/powerpoint/2010/main" val="2234491916"/>
+      </p:ext>
+    </p:extLst>
+  </p:cSld>
+  <p:clrMapOvr>
+    <a:masterClrMapping/>
+  </p:clrMapOvr>
+</p:sld>
+</file>
+
+<file path=ppt/slides/slide11.xml><?xml version="1.0" encoding="utf-8"?>
+<p:sld xmlns:a="http://schemas.openxmlformats.org/drawingml/2006/main" xmlns:r="http://schemas.openxmlformats.org/officeDocument/2006/relationships" xmlns:p="http://schemas.openxmlformats.org/presentationml/2006/main">
+  <p:cSld>
+    <p:spTree>
+      <p:nvGrpSpPr>
+        <p:cNvPr id="1" name="">
+          <a:extLst>
+            <a:ext uri="{FF2B5EF4-FFF2-40B4-BE49-F238E27FC236}">
               <a16:creationId xmlns:a16="http://schemas.microsoft.com/office/drawing/2014/main" id="{9DD595E6-AB70-C7E1-8FB4-038A0FFCFF3A}"/>
             </a:ext>
           </a:extLst>
@@ -6846,7 +7074,7 @@
 </p:sld>
 </file>
 
-<file path=ppt/slides/slide11.xml><?xml version="1.0" encoding="utf-8"?>
+<file path=ppt/slides/slide12.xml><?xml version="1.0" encoding="utf-8"?>
 <p:sld xmlns:a="http://schemas.openxmlformats.org/drawingml/2006/main" xmlns:r="http://schemas.openxmlformats.org/officeDocument/2006/relationships" xmlns:p="http://schemas.openxmlformats.org/presentationml/2006/main">
   <p:cSld>
     <p:spTree>
@@ -6927,13 +7155,16 @@
               </a:rPr>
               <a:t>đồ</a:t>
             </a:r>
-            <a:endParaRPr lang="en-US" b="1" dirty="0">
-              <a:solidFill>
-                <a:srgbClr val="FF0000"/>
-              </a:solidFill>
-              <a:latin typeface="Times New Roman" panose="02020603050405020304" pitchFamily="18" charset="0"/>
-              <a:cs typeface="Times New Roman" panose="02020603050405020304" pitchFamily="18" charset="0"/>
-            </a:endParaRPr>
+            <a:r>
+              <a:rPr lang="en-US" b="1" dirty="0">
+                <a:solidFill>
+                  <a:srgbClr val="FF0000"/>
+                </a:solidFill>
+                <a:latin typeface="Times New Roman" panose="02020603050405020304" pitchFamily="18" charset="0"/>
+                <a:cs typeface="Times New Roman" panose="02020603050405020304" pitchFamily="18" charset="0"/>
+              </a:rPr>
+              <a:t> - 1</a:t>
+            </a:r>
           </a:p>
         </p:txBody>
       </p:sp>
@@ -7007,10 +7238,10 @@
       </p:sp>
       <p:pic>
         <p:nvPicPr>
-          <p:cNvPr id="7" name="Picture 6" descr="A screenshot of a computer&#10;&#10;Description automatically generated">
+          <p:cNvPr id="4" name="Picture 3" descr="A screenshot of a computer&#10;&#10;Description automatically generated">
             <a:extLst>
               <a:ext uri="{FF2B5EF4-FFF2-40B4-BE49-F238E27FC236}">
-                <a16:creationId xmlns:a16="http://schemas.microsoft.com/office/drawing/2014/main" id="{93FE4FED-19CA-2EAD-A7B4-9CC790F5D573}"/>
+                <a16:creationId xmlns:a16="http://schemas.microsoft.com/office/drawing/2014/main" id="{D83C667B-28D7-5E33-102C-167885959B81}"/>
               </a:ext>
             </a:extLst>
           </p:cNvPr>
@@ -7019,15 +7250,21 @@
           </p:cNvPicPr>
           <p:nvPr/>
         </p:nvPicPr>
-        <p:blipFill>
-          <a:blip r:embed="rId2"/>
-          <a:srcRect r="19419" b="26485"/>
+        <p:blipFill rotWithShape="1">
+          <a:blip r:embed="rId2">
+            <a:extLst>
+              <a:ext uri="{28A0092B-C50C-407E-A947-70E740481C1C}">
+                <a14:useLocalDpi xmlns:a14="http://schemas.microsoft.com/office/drawing/2010/main" val="0"/>
+              </a:ext>
+            </a:extLst>
+          </a:blip>
+          <a:srcRect r="45391" b="29870"/>
           <a:stretch/>
         </p:blipFill>
-        <p:spPr>
+        <p:spPr bwMode="auto">
           <a:xfrm>
-            <a:off x="179461" y="1427147"/>
-            <a:ext cx="9655482" cy="5358213"/>
+            <a:off x="1755140" y="1316052"/>
+            <a:ext cx="7228088" cy="5358213"/>
           </a:xfrm>
           <a:prstGeom prst="rect">
             <a:avLst/>
@@ -7037,6 +7274,11 @@
               <a:srgbClr val="0070C0"/>
             </a:solidFill>
           </a:ln>
+          <a:extLst>
+            <a:ext uri="{53640926-AAD7-44D8-BBD7-CCE9431645EC}">
+              <a14:shadowObscured xmlns:a14="http://schemas.microsoft.com/office/drawing/2010/main"/>
+            </a:ext>
+          </a:extLst>
         </p:spPr>
       </p:pic>
     </p:spTree>
@@ -7052,7 +7294,7 @@
 </p:sld>
 </file>
 
-<file path=ppt/slides/slide12.xml><?xml version="1.0" encoding="utf-8"?>
+<file path=ppt/slides/slide13.xml><?xml version="1.0" encoding="utf-8"?>
 <p:sld xmlns:a="http://schemas.openxmlformats.org/drawingml/2006/main" xmlns:r="http://schemas.openxmlformats.org/officeDocument/2006/relationships" xmlns:p="http://schemas.openxmlformats.org/presentationml/2006/main">
   <p:cSld>
     <p:spTree>
@@ -7133,13 +7375,16 @@
               </a:rPr>
               <a:t>đồ</a:t>
             </a:r>
-            <a:endParaRPr lang="en-US" b="1" dirty="0">
-              <a:solidFill>
-                <a:srgbClr val="FF0000"/>
-              </a:solidFill>
-              <a:latin typeface="Times New Roman" panose="02020603050405020304" pitchFamily="18" charset="0"/>
-              <a:cs typeface="Times New Roman" panose="02020603050405020304" pitchFamily="18" charset="0"/>
-            </a:endParaRPr>
+            <a:r>
+              <a:rPr lang="en-US" b="1" dirty="0">
+                <a:solidFill>
+                  <a:srgbClr val="FF0000"/>
+                </a:solidFill>
+                <a:latin typeface="Times New Roman" panose="02020603050405020304" pitchFamily="18" charset="0"/>
+                <a:cs typeface="Times New Roman" panose="02020603050405020304" pitchFamily="18" charset="0"/>
+              </a:rPr>
+              <a:t> - 2</a:t>
+            </a:r>
           </a:p>
         </p:txBody>
       </p:sp>
@@ -7213,10 +7458,10 @@
       </p:sp>
       <p:pic>
         <p:nvPicPr>
-          <p:cNvPr id="5" name="Picture 4" descr="A screenshot of a computer&#10;&#10;Description automatically generated">
+          <p:cNvPr id="4" name="Picture 3" descr="A screenshot of a computer&#10;&#10;Description automatically generated">
             <a:extLst>
               <a:ext uri="{FF2B5EF4-FFF2-40B4-BE49-F238E27FC236}">
-                <a16:creationId xmlns:a16="http://schemas.microsoft.com/office/drawing/2014/main" id="{D1689DA0-8E05-BF48-BAD6-90F9F30A8950}"/>
+                <a16:creationId xmlns:a16="http://schemas.microsoft.com/office/drawing/2014/main" id="{663D47D2-A5A9-BA69-0022-B534E87A2473}"/>
               </a:ext>
             </a:extLst>
           </p:cNvPr>
@@ -7225,25 +7470,27 @@
           </p:cNvPicPr>
           <p:nvPr/>
         </p:nvPicPr>
-        <p:blipFill>
+        <p:blipFill rotWithShape="1">
           <a:blip r:embed="rId2"/>
-          <a:stretch>
-            <a:fillRect/>
-          </a:stretch>
+          <a:srcRect t="1511" r="1085" b="902"/>
+          <a:stretch/>
         </p:blipFill>
-        <p:spPr>
+        <p:spPr bwMode="auto">
           <a:xfrm>
-            <a:off x="1838959" y="1993382"/>
-            <a:ext cx="7071361" cy="2254479"/>
+            <a:off x="1500187" y="1339380"/>
+            <a:ext cx="7321752" cy="5311555"/>
           </a:xfrm>
           <a:prstGeom prst="rect">
             <a:avLst/>
           </a:prstGeom>
-          <a:ln w="19050">
-            <a:solidFill>
-              <a:srgbClr val="0070C0"/>
-            </a:solidFill>
+          <a:ln>
+            <a:noFill/>
           </a:ln>
+          <a:extLst>
+            <a:ext uri="{53640926-AAD7-44D8-BBD7-CCE9431645EC}">
+              <a14:shadowObscured xmlns:a14="http://schemas.microsoft.com/office/drawing/2010/main"/>
+            </a:ext>
+          </a:extLst>
         </p:spPr>
       </p:pic>
     </p:spTree>
@@ -7259,7 +7506,7 @@
 </p:sld>
 </file>
 
-<file path=ppt/slides/slide13.xml><?xml version="1.0" encoding="utf-8"?>
+<file path=ppt/slides/slide14.xml><?xml version="1.0" encoding="utf-8"?>
 <p:sld xmlns:a="http://schemas.openxmlformats.org/drawingml/2006/main" xmlns:r="http://schemas.openxmlformats.org/officeDocument/2006/relationships" xmlns:p="http://schemas.openxmlformats.org/presentationml/2006/main">
   <p:cSld>
     <p:spTree>
@@ -7608,7 +7855,7 @@
 </p:sld>
 </file>
 
-<file path=ppt/slides/slide14.xml><?xml version="1.0" encoding="utf-8"?>
+<file path=ppt/slides/slide15.xml><?xml version="1.0" encoding="utf-8"?>
 <p:sld xmlns:a="http://schemas.openxmlformats.org/drawingml/2006/main" xmlns:r="http://schemas.openxmlformats.org/officeDocument/2006/relationships" xmlns:p="http://schemas.openxmlformats.org/presentationml/2006/main">
   <p:cSld>
     <p:spTree>
@@ -7740,6 +7987,36 @@
           </a:p>
         </p:txBody>
       </p:sp>
+      <p:pic>
+        <p:nvPicPr>
+          <p:cNvPr id="4" name="Picture 3" descr="A screenshot of a computer&#10;&#10;Description automatically generated">
+            <a:extLst>
+              <a:ext uri="{FF2B5EF4-FFF2-40B4-BE49-F238E27FC236}">
+                <a16:creationId xmlns:a16="http://schemas.microsoft.com/office/drawing/2014/main" id="{52554A5A-24EE-8F08-92B3-203618676701}"/>
+              </a:ext>
+            </a:extLst>
+          </p:cNvPr>
+          <p:cNvPicPr>
+            <a:picLocks noChangeAspect="1"/>
+          </p:cNvPicPr>
+          <p:nvPr/>
+        </p:nvPicPr>
+        <p:blipFill>
+          <a:blip r:embed="rId3"/>
+          <a:stretch>
+            <a:fillRect/>
+          </a:stretch>
+        </p:blipFill>
+        <p:spPr>
+          <a:xfrm>
+            <a:off x="863600" y="1136117"/>
+            <a:ext cx="10271759" cy="5721883"/>
+          </a:xfrm>
+          <a:prstGeom prst="rect">
+            <a:avLst/>
+          </a:prstGeom>
+        </p:spPr>
+      </p:pic>
     </p:spTree>
     <p:extLst>
       <p:ext uri="{BB962C8B-B14F-4D97-AF65-F5344CB8AC3E}">
@@ -7758,7 +8035,7 @@
 </p:sld>
 </file>
 
-<file path=ppt/slides/slide15.xml><?xml version="1.0" encoding="utf-8"?>
+<file path=ppt/slides/slide16.xml><?xml version="1.0" encoding="utf-8"?>
 <p:sld xmlns:a="http://schemas.openxmlformats.org/drawingml/2006/main" xmlns:r="http://schemas.openxmlformats.org/officeDocument/2006/relationships" xmlns:p="http://schemas.openxmlformats.org/presentationml/2006/main">
   <p:cSld>
     <p:spTree>
@@ -7890,6 +8167,36 @@
           </a:p>
         </p:txBody>
       </p:sp>
+      <p:pic>
+        <p:nvPicPr>
+          <p:cNvPr id="4" name="Picture 3" descr="A screenshot of a computer&#10;&#10;Description automatically generated">
+            <a:extLst>
+              <a:ext uri="{FF2B5EF4-FFF2-40B4-BE49-F238E27FC236}">
+                <a16:creationId xmlns:a16="http://schemas.microsoft.com/office/drawing/2014/main" id="{CC864A73-4828-1717-FDE2-50B9CC182139}"/>
+              </a:ext>
+            </a:extLst>
+          </p:cNvPr>
+          <p:cNvPicPr>
+            <a:picLocks noChangeAspect="1"/>
+          </p:cNvPicPr>
+          <p:nvPr/>
+        </p:nvPicPr>
+        <p:blipFill>
+          <a:blip r:embed="rId2"/>
+          <a:stretch>
+            <a:fillRect/>
+          </a:stretch>
+        </p:blipFill>
+        <p:spPr>
+          <a:xfrm>
+            <a:off x="831110" y="1208728"/>
+            <a:ext cx="10285939" cy="5649272"/>
+          </a:xfrm>
+          <a:prstGeom prst="rect">
+            <a:avLst/>
+          </a:prstGeom>
+        </p:spPr>
+      </p:pic>
     </p:spTree>
     <p:extLst>
       <p:ext uri="{BB962C8B-B14F-4D97-AF65-F5344CB8AC3E}">
@@ -7903,7 +8210,7 @@
 </p:sld>
 </file>
 
-<file path=ppt/slides/slide16.xml><?xml version="1.0" encoding="utf-8"?>
+<file path=ppt/slides/slide17.xml><?xml version="1.0" encoding="utf-8"?>
 <p:sld xmlns:a="http://schemas.openxmlformats.org/drawingml/2006/main" xmlns:r="http://schemas.openxmlformats.org/officeDocument/2006/relationships" xmlns:p="http://schemas.openxmlformats.org/presentationml/2006/main">
   <p:cSld>
     <p:spTree>
@@ -8035,6 +8342,36 @@
           </a:p>
         </p:txBody>
       </p:sp>
+      <p:pic>
+        <p:nvPicPr>
+          <p:cNvPr id="4" name="Picture 3" descr="A screen shot of a computer&#10;&#10;Description automatically generated">
+            <a:extLst>
+              <a:ext uri="{FF2B5EF4-FFF2-40B4-BE49-F238E27FC236}">
+                <a16:creationId xmlns:a16="http://schemas.microsoft.com/office/drawing/2014/main" id="{1ABA8BA8-362E-309B-C2EC-10EC4D5233CD}"/>
+              </a:ext>
+            </a:extLst>
+          </p:cNvPr>
+          <p:cNvPicPr>
+            <a:picLocks noChangeAspect="1"/>
+          </p:cNvPicPr>
+          <p:nvPr/>
+        </p:nvPicPr>
+        <p:blipFill>
+          <a:blip r:embed="rId2"/>
+          <a:stretch>
+            <a:fillRect/>
+          </a:stretch>
+        </p:blipFill>
+        <p:spPr>
+          <a:xfrm>
+            <a:off x="846158" y="1124902"/>
+            <a:ext cx="10499683" cy="5733098"/>
+          </a:xfrm>
+          <a:prstGeom prst="rect">
+            <a:avLst/>
+          </a:prstGeom>
+        </p:spPr>
+      </p:pic>
     </p:spTree>
     <p:extLst>
       <p:ext uri="{BB962C8B-B14F-4D97-AF65-F5344CB8AC3E}">
@@ -8048,7 +8385,7 @@
 </p:sld>
 </file>
 
-<file path=ppt/slides/slide17.xml><?xml version="1.0" encoding="utf-8"?>
+<file path=ppt/slides/slide18.xml><?xml version="1.0" encoding="utf-8"?>
 <p:sld xmlns:a="http://schemas.openxmlformats.org/drawingml/2006/main" xmlns:r="http://schemas.openxmlformats.org/officeDocument/2006/relationships" xmlns:p="http://schemas.openxmlformats.org/presentationml/2006/main">
   <p:cSld>
     <p:spTree>
@@ -8397,7 +8734,7 @@
 </p:sld>
 </file>
 
-<file path=ppt/slides/slide18.xml><?xml version="1.0" encoding="utf-8"?>
+<file path=ppt/slides/slide19.xml><?xml version="1.0" encoding="utf-8"?>
 <p:sld xmlns:a="http://schemas.openxmlformats.org/drawingml/2006/main" xmlns:r="http://schemas.openxmlformats.org/officeDocument/2006/relationships" xmlns:p="http://schemas.openxmlformats.org/presentationml/2006/main">
   <p:cSld>
     <p:spTree>
@@ -9258,12 +9595,14 @@
         </p:nvSpPr>
         <p:spPr>
           <a:xfrm>
-            <a:off x="7921951" y="0"/>
-            <a:ext cx="4270049" cy="1051133"/>
+            <a:off x="7294881" y="0"/>
+            <a:ext cx="4897120" cy="1051133"/>
           </a:xfrm>
         </p:spPr>
         <p:txBody>
-          <a:bodyPr/>
+          <a:bodyPr>
+            <a:normAutofit/>
+          </a:bodyPr>
           <a:lstStyle/>
           <a:p>
             <a:r>
@@ -9274,7 +9613,7 @@
                 <a:latin typeface="Times New Roman" panose="02020603050405020304" pitchFamily="18" charset="0"/>
                 <a:cs typeface="Times New Roman" panose="02020603050405020304" pitchFamily="18" charset="0"/>
               </a:rPr>
-              <a:t>GIỚI THIỆU</a:t>
+              <a:t>GIỚI THIỆU - 1</a:t>
             </a:r>
           </a:p>
         </p:txBody>
@@ -9550,17 +9889,6 @@
                 <a:latin typeface="Times New Roman" panose="02020603050405020304" pitchFamily="18" charset="0"/>
               </a:rPr>
               <a:t>để</a:t>
-            </a:r>
-            <a:r>
-              <a:rPr lang="vi-VN" sz="2800" cap="none" dirty="0">
-                <a:solidFill>
-                  <a:schemeClr val="bg2">
-                    <a:lumMod val="50000"/>
-                  </a:schemeClr>
-                </a:solidFill>
-                <a:latin typeface="Times New Roman" panose="02020603050405020304" pitchFamily="18" charset="0"/>
-              </a:rPr>
-              <a:t> theo dõi</a:t>
             </a:r>
             <a:r>
               <a:rPr lang="en-US" sz="2800" cap="none" dirty="0">
@@ -9591,6 +9919,28 @@
               <a:buChar char="§"/>
             </a:pPr>
             <a:r>
+              <a:rPr lang="en-US" sz="2800" cap="none" dirty="0">
+                <a:solidFill>
+                  <a:schemeClr val="bg2">
+                    <a:lumMod val="50000"/>
+                  </a:schemeClr>
+                </a:solidFill>
+                <a:latin typeface="Times New Roman" panose="02020603050405020304" pitchFamily="18" charset="0"/>
+              </a:rPr>
+              <a:t>T</a:t>
+            </a:r>
+            <a:r>
+              <a:rPr lang="vi-VN" sz="2800" cap="none" dirty="0">
+                <a:solidFill>
+                  <a:schemeClr val="bg2">
+                    <a:lumMod val="50000"/>
+                  </a:schemeClr>
+                </a:solidFill>
+                <a:latin typeface="Times New Roman" panose="02020603050405020304" pitchFamily="18" charset="0"/>
+              </a:rPr>
+              <a:t>heo dõi </a:t>
+            </a:r>
+            <a:r>
               <a:rPr lang="en-US" sz="2800" cap="none" dirty="0" err="1">
                 <a:solidFill>
                   <a:schemeClr val="bg2">
@@ -9599,7 +9949,7 @@
                 </a:solidFill>
                 <a:latin typeface="Times New Roman" panose="02020603050405020304" pitchFamily="18" charset="0"/>
               </a:rPr>
-              <a:t>Giá</a:t>
+              <a:t>giá</a:t>
             </a:r>
             <a:r>
               <a:rPr lang="en-US" sz="2800" cap="none" dirty="0">
@@ -10072,71 +10422,8 @@
                 </a:solidFill>
                 <a:latin typeface="Times New Roman" panose="02020603050405020304" pitchFamily="18" charset="0"/>
               </a:rPr>
-              <a:t>, </a:t>
-            </a:r>
-            <a:r>
-              <a:rPr lang="en-US" sz="2800" cap="none" dirty="0" err="1">
-                <a:solidFill>
-                  <a:schemeClr val="bg2">
-                    <a:lumMod val="50000"/>
-                  </a:schemeClr>
-                </a:solidFill>
-                <a:latin typeface="Times New Roman" panose="02020603050405020304" pitchFamily="18" charset="0"/>
-              </a:rPr>
-              <a:t>tuần</a:t>
-            </a:r>
-            <a:r>
-              <a:rPr lang="en-US" sz="2800" cap="none" dirty="0">
-                <a:solidFill>
-                  <a:schemeClr val="bg2">
-                    <a:lumMod val="50000"/>
-                  </a:schemeClr>
-                </a:solidFill>
-                <a:latin typeface="Times New Roman" panose="02020603050405020304" pitchFamily="18" charset="0"/>
-              </a:rPr>
-              <a:t>, </a:t>
-            </a:r>
-            <a:r>
-              <a:rPr lang="en-US" sz="2800" cap="none" dirty="0" err="1">
-                <a:solidFill>
-                  <a:schemeClr val="bg2">
-                    <a:lumMod val="50000"/>
-                  </a:schemeClr>
-                </a:solidFill>
-                <a:latin typeface="Times New Roman" panose="02020603050405020304" pitchFamily="18" charset="0"/>
-              </a:rPr>
-              <a:t>tháng</a:t>
-            </a:r>
-            <a:r>
-              <a:rPr lang="en-US" sz="2800" cap="none" dirty="0">
-                <a:solidFill>
-                  <a:schemeClr val="bg2">
-                    <a:lumMod val="50000"/>
-                  </a:schemeClr>
-                </a:solidFill>
-                <a:latin typeface="Times New Roman" panose="02020603050405020304" pitchFamily="18" charset="0"/>
-              </a:rPr>
-              <a:t>, </a:t>
-            </a:r>
-            <a:r>
-              <a:rPr lang="en-US" sz="2800" cap="none" dirty="0" err="1">
-                <a:solidFill>
-                  <a:schemeClr val="bg2">
-                    <a:lumMod val="50000"/>
-                  </a:schemeClr>
-                </a:solidFill>
-                <a:latin typeface="Times New Roman" panose="02020603050405020304" pitchFamily="18" charset="0"/>
-              </a:rPr>
-              <a:t>quý</a:t>
-            </a:r>
-            <a:endParaRPr lang="en-US" sz="2800" cap="none" dirty="0">
-              <a:solidFill>
-                <a:schemeClr val="bg2">
-                  <a:lumMod val="50000"/>
-                </a:schemeClr>
-              </a:solidFill>
-              <a:latin typeface="Times New Roman" panose="02020603050405020304" pitchFamily="18" charset="0"/>
-            </a:endParaRPr>
+              <a:t>.</a:t>
+            </a:r>
           </a:p>
           <a:p>
             <a:pPr marL="1200150" lvl="3" indent="-285750" algn="l">
@@ -10155,6 +10442,17 @@
               <a:buChar char="§"/>
             </a:pPr>
             <a:r>
+              <a:rPr lang="en-US" sz="2800" cap="none" dirty="0">
+                <a:solidFill>
+                  <a:schemeClr val="bg2">
+                    <a:lumMod val="50000"/>
+                  </a:schemeClr>
+                </a:solidFill>
+                <a:latin typeface="Times New Roman" panose="02020603050405020304" pitchFamily="18" charset="0"/>
+              </a:rPr>
+              <a:t>Theo </a:t>
+            </a:r>
+            <a:r>
               <a:rPr lang="en-US" sz="2800" cap="none" dirty="0" err="1">
                 <a:solidFill>
                   <a:schemeClr val="bg2">
@@ -10163,7 +10461,7 @@
                 </a:solidFill>
                 <a:latin typeface="Times New Roman" panose="02020603050405020304" pitchFamily="18" charset="0"/>
               </a:rPr>
-              <a:t>Lịch</a:t>
+              <a:t>dõi</a:t>
             </a:r>
             <a:r>
               <a:rPr lang="en-US" sz="2800" cap="none" dirty="0">
@@ -10185,6 +10483,28 @@
                 </a:solidFill>
                 <a:latin typeface="Times New Roman" panose="02020603050405020304" pitchFamily="18" charset="0"/>
               </a:rPr>
+              <a:t>lịch</a:t>
+            </a:r>
+            <a:r>
+              <a:rPr lang="en-US" sz="2800" cap="none" dirty="0">
+                <a:solidFill>
+                  <a:schemeClr val="bg2">
+                    <a:lumMod val="50000"/>
+                  </a:schemeClr>
+                </a:solidFill>
+                <a:latin typeface="Times New Roman" panose="02020603050405020304" pitchFamily="18" charset="0"/>
+              </a:rPr>
+              <a:t> </a:t>
+            </a:r>
+            <a:r>
+              <a:rPr lang="en-US" sz="2800" cap="none" dirty="0" err="1">
+                <a:solidFill>
+                  <a:schemeClr val="bg2">
+                    <a:lumMod val="50000"/>
+                  </a:schemeClr>
+                </a:solidFill>
+                <a:latin typeface="Times New Roman" panose="02020603050405020304" pitchFamily="18" charset="0"/>
+              </a:rPr>
               <a:t>sử</a:t>
             </a:r>
             <a:r>
@@ -10251,7 +10571,7 @@
                 </a:solidFill>
                 <a:latin typeface="Times New Roman" panose="02020603050405020304" pitchFamily="18" charset="0"/>
               </a:rPr>
-              <a:t>theo</a:t>
+              <a:t>trong</a:t>
             </a:r>
             <a:r>
               <a:rPr lang="en-US" sz="2800" cap="none" dirty="0">
@@ -10372,71 +10692,8 @@
                 </a:solidFill>
                 <a:latin typeface="Times New Roman" panose="02020603050405020304" pitchFamily="18" charset="0"/>
               </a:rPr>
-              <a:t>, </a:t>
-            </a:r>
-            <a:r>
-              <a:rPr lang="en-US" sz="2800" cap="none" dirty="0" err="1">
-                <a:solidFill>
-                  <a:schemeClr val="bg2">
-                    <a:lumMod val="50000"/>
-                  </a:schemeClr>
-                </a:solidFill>
-                <a:latin typeface="Times New Roman" panose="02020603050405020304" pitchFamily="18" charset="0"/>
-              </a:rPr>
-              <a:t>theo</a:t>
-            </a:r>
-            <a:r>
-              <a:rPr lang="en-US" sz="2800" cap="none" dirty="0">
-                <a:solidFill>
-                  <a:schemeClr val="bg2">
-                    <a:lumMod val="50000"/>
-                  </a:schemeClr>
-                </a:solidFill>
-                <a:latin typeface="Times New Roman" panose="02020603050405020304" pitchFamily="18" charset="0"/>
-              </a:rPr>
-              <a:t> </a:t>
-            </a:r>
-            <a:r>
-              <a:rPr lang="en-US" sz="2800" cap="none" dirty="0" err="1">
-                <a:solidFill>
-                  <a:schemeClr val="bg2">
-                    <a:lumMod val="50000"/>
-                  </a:schemeClr>
-                </a:solidFill>
-                <a:latin typeface="Times New Roman" panose="02020603050405020304" pitchFamily="18" charset="0"/>
-              </a:rPr>
-              <a:t>loại</a:t>
-            </a:r>
-            <a:r>
-              <a:rPr lang="en-US" sz="2800" cap="none" dirty="0">
-                <a:solidFill>
-                  <a:schemeClr val="bg2">
-                    <a:lumMod val="50000"/>
-                  </a:schemeClr>
-                </a:solidFill>
-                <a:latin typeface="Times New Roman" panose="02020603050405020304" pitchFamily="18" charset="0"/>
-              </a:rPr>
-              <a:t> </a:t>
-            </a:r>
-            <a:r>
-              <a:rPr lang="en-US" sz="2800" cap="none" dirty="0" err="1">
-                <a:solidFill>
-                  <a:schemeClr val="bg2">
-                    <a:lumMod val="50000"/>
-                  </a:schemeClr>
-                </a:solidFill>
-                <a:latin typeface="Times New Roman" panose="02020603050405020304" pitchFamily="18" charset="0"/>
-              </a:rPr>
-              <a:t>vàng</a:t>
-            </a:r>
-            <a:endParaRPr lang="en-US" sz="2800" cap="none" dirty="0">
-              <a:solidFill>
-                <a:schemeClr val="bg2">
-                  <a:lumMod val="50000"/>
-                </a:schemeClr>
-              </a:solidFill>
-              <a:latin typeface="Times New Roman" panose="02020603050405020304" pitchFamily="18" charset="0"/>
-            </a:endParaRPr>
+              <a:t>.</a:t>
+            </a:r>
           </a:p>
           <a:p>
             <a:pPr marL="1200150" lvl="3" indent="-285750" algn="l">
@@ -10738,7 +10995,7 @@
                 </a:solidFill>
                 <a:latin typeface="Times New Roman" panose="02020603050405020304" pitchFamily="18" charset="0"/>
               </a:rPr>
-              <a:t> </a:t>
+              <a:t>.</a:t>
             </a:r>
           </a:p>
           <a:p>
@@ -10820,45 +11077,6 @@
       </p:grpSpPr>
       <p:sp>
         <p:nvSpPr>
-          <p:cNvPr id="2" name="Title 1">
-            <a:extLst>
-              <a:ext uri="{FF2B5EF4-FFF2-40B4-BE49-F238E27FC236}">
-                <a16:creationId xmlns:a16="http://schemas.microsoft.com/office/drawing/2014/main" id="{5911BDF3-8933-6273-D1CF-39B31C1B2B07}"/>
-              </a:ext>
-            </a:extLst>
-          </p:cNvPr>
-          <p:cNvSpPr>
-            <a:spLocks noGrp="1"/>
-          </p:cNvSpPr>
-          <p:nvPr>
-            <p:ph type="ctrTitle"/>
-          </p:nvPr>
-        </p:nvSpPr>
-        <p:spPr>
-          <a:xfrm>
-            <a:off x="7921951" y="0"/>
-            <a:ext cx="4270049" cy="1051133"/>
-          </a:xfrm>
-        </p:spPr>
-        <p:txBody>
-          <a:bodyPr/>
-          <a:lstStyle/>
-          <a:p>
-            <a:r>
-              <a:rPr lang="en-US" b="1" dirty="0">
-                <a:solidFill>
-                  <a:srgbClr val="FF0000"/>
-                </a:solidFill>
-                <a:latin typeface="Times New Roman" panose="02020603050405020304" pitchFamily="18" charset="0"/>
-                <a:cs typeface="Times New Roman" panose="02020603050405020304" pitchFamily="18" charset="0"/>
-              </a:rPr>
-              <a:t>GIỚI THIỆU</a:t>
-            </a:r>
-          </a:p>
-        </p:txBody>
-      </p:sp>
-      <p:sp>
-        <p:nvSpPr>
           <p:cNvPr id="3" name="Subtitle 2">
             <a:extLst>
               <a:ext uri="{FF2B5EF4-FFF2-40B4-BE49-F238E27FC236}">
@@ -11487,6 +11705,67 @@
               </a:solidFill>
               <a:latin typeface="Times New Roman" panose="02020603050405020304" pitchFamily="18" charset="0"/>
             </a:endParaRPr>
+          </a:p>
+        </p:txBody>
+      </p:sp>
+      <p:sp>
+        <p:nvSpPr>
+          <p:cNvPr id="4" name="Title 1">
+            <a:extLst>
+              <a:ext uri="{FF2B5EF4-FFF2-40B4-BE49-F238E27FC236}">
+                <a16:creationId xmlns:a16="http://schemas.microsoft.com/office/drawing/2014/main" id="{07AE0CE8-B9F8-7289-7B2E-214A63D31903}"/>
+              </a:ext>
+            </a:extLst>
+          </p:cNvPr>
+          <p:cNvSpPr txBox="1">
+            <a:spLocks/>
+          </p:cNvSpPr>
+          <p:nvPr/>
+        </p:nvSpPr>
+        <p:spPr>
+          <a:xfrm>
+            <a:off x="7294880" y="0"/>
+            <a:ext cx="4897120" cy="1051133"/>
+          </a:xfrm>
+          <a:prstGeom prst="rect">
+            <a:avLst/>
+          </a:prstGeom>
+        </p:spPr>
+        <p:txBody>
+          <a:bodyPr vert="horz" lIns="91440" tIns="45720" rIns="91440" bIns="45720" rtlCol="0" anchor="b">
+            <a:normAutofit/>
+          </a:bodyPr>
+          <a:lstStyle>
+            <a:lvl1pPr algn="ctr" defTabSz="914400" rtl="0" eaLnBrk="1" latinLnBrk="0" hangingPunct="1">
+              <a:lnSpc>
+                <a:spcPct val="90000"/>
+              </a:lnSpc>
+              <a:spcBef>
+                <a:spcPct val="0"/>
+              </a:spcBef>
+              <a:buNone/>
+              <a:defRPr sz="4800" kern="1200" cap="all" baseline="0">
+                <a:solidFill>
+                  <a:schemeClr val="tx1"/>
+                </a:solidFill>
+                <a:effectLst/>
+                <a:latin typeface="+mj-lt"/>
+                <a:ea typeface="+mj-ea"/>
+                <a:cs typeface="+mj-cs"/>
+              </a:defRPr>
+            </a:lvl1pPr>
+          </a:lstStyle>
+          <a:p>
+            <a:r>
+              <a:rPr lang="en-US" b="1" dirty="0">
+                <a:solidFill>
+                  <a:srgbClr val="FF0000"/>
+                </a:solidFill>
+                <a:latin typeface="Times New Roman" panose="02020603050405020304" pitchFamily="18" charset="0"/>
+                <a:cs typeface="Times New Roman" panose="02020603050405020304" pitchFamily="18" charset="0"/>
+              </a:rPr>
+              <a:t>GIỚI THIỆU - 2</a:t>
+            </a:r>
           </a:p>
         </p:txBody>
       </p:sp>
@@ -12067,11 +12346,11 @@
       </p:sp>
       <p:pic>
         <p:nvPicPr>
-          <p:cNvPr id="5" name="Picture 4" descr="A screenshot of a computer&#10;&#10;Description automatically generated">
+          <p:cNvPr id="4" name="Picture 3" descr="A screenshot of a computer&#10;&#10;Description automatically generated">
             <a:hlinkClick r:id="rId2"/>
             <a:extLst>
               <a:ext uri="{FF2B5EF4-FFF2-40B4-BE49-F238E27FC236}">
-                <a16:creationId xmlns:a16="http://schemas.microsoft.com/office/drawing/2014/main" id="{175230EB-44B0-C4C3-6CE4-E9C3C9A54351}"/>
+                <a16:creationId xmlns:a16="http://schemas.microsoft.com/office/drawing/2014/main" id="{339F96D5-BBEE-E0A1-AA46-262942252129}"/>
               </a:ext>
             </a:extLst>
           </p:cNvPr>
@@ -12081,15 +12360,21 @@
           <p:nvPr/>
         </p:nvPicPr>
         <p:blipFill>
-          <a:blip r:embed="rId3"/>
+          <a:blip r:embed="rId3" cstate="print">
+            <a:extLst>
+              <a:ext uri="{28A0092B-C50C-407E-A947-70E740481C1C}">
+                <a14:useLocalDpi xmlns:a14="http://schemas.microsoft.com/office/drawing/2010/main" val="0"/>
+              </a:ext>
+            </a:extLst>
+          </a:blip>
           <a:stretch>
             <a:fillRect/>
           </a:stretch>
         </p:blipFill>
         <p:spPr>
           <a:xfrm>
-            <a:off x="1606609" y="1407665"/>
-            <a:ext cx="4007977" cy="5364637"/>
+            <a:off x="3214480" y="1430912"/>
+            <a:ext cx="3843085" cy="5128491"/>
           </a:xfrm>
           <a:prstGeom prst="rect">
             <a:avLst/>
@@ -12522,7 +12807,7 @@
                 <a:latin typeface="Times New Roman" panose="02020603050405020304" pitchFamily="18" charset="0"/>
                 <a:cs typeface="Times New Roman" panose="02020603050405020304" pitchFamily="18" charset="0"/>
               </a:rPr>
-              <a:t>PIPELINES</a:t>
+              <a:t>PIPELINES - 1</a:t>
             </a:r>
           </a:p>
         </p:txBody>
@@ -12617,8 +12902,49 @@
         </p:blipFill>
         <p:spPr>
           <a:xfrm>
-            <a:off x="0" y="2046805"/>
-            <a:ext cx="12192000" cy="2764389"/>
+            <a:off x="154176" y="1300684"/>
+            <a:ext cx="11883648" cy="2694474"/>
+          </a:xfrm>
+          <a:prstGeom prst="rect">
+            <a:avLst/>
+          </a:prstGeom>
+          <a:ln w="19050">
+            <a:solidFill>
+              <a:srgbClr val="0070C0"/>
+            </a:solidFill>
+          </a:ln>
+        </p:spPr>
+      </p:pic>
+      <p:pic>
+        <p:nvPicPr>
+          <p:cNvPr id="4" name="Picture 3" descr="A screenshot of a computer&#10;&#10;Description automatically generated">
+            <a:extLst>
+              <a:ext uri="{FF2B5EF4-FFF2-40B4-BE49-F238E27FC236}">
+                <a16:creationId xmlns:a16="http://schemas.microsoft.com/office/drawing/2014/main" id="{833DBF6B-527B-42F4-A720-AA037007ECC0}"/>
+              </a:ext>
+            </a:extLst>
+          </p:cNvPr>
+          <p:cNvPicPr>
+            <a:picLocks noChangeAspect="1"/>
+          </p:cNvPicPr>
+          <p:nvPr/>
+        </p:nvPicPr>
+        <p:blipFill>
+          <a:blip r:embed="rId3">
+            <a:extLst>
+              <a:ext uri="{28A0092B-C50C-407E-A947-70E740481C1C}">
+                <a14:useLocalDpi xmlns:a14="http://schemas.microsoft.com/office/drawing/2010/main" val="0"/>
+              </a:ext>
+            </a:extLst>
+          </a:blip>
+          <a:stretch>
+            <a:fillRect/>
+          </a:stretch>
+        </p:blipFill>
+        <p:spPr>
+          <a:xfrm>
+            <a:off x="2113280" y="4137098"/>
+            <a:ext cx="7965440" cy="2582555"/>
           </a:xfrm>
           <a:prstGeom prst="rect">
             <a:avLst/>

--- a/doc/project/report.pptx
+++ b/doc/project/report.pptx
@@ -20,10 +20,12 @@
     <p:sldId id="305" r:id="rId14"/>
     <p:sldId id="300" r:id="rId15"/>
     <p:sldId id="306" r:id="rId16"/>
-    <p:sldId id="307" r:id="rId17"/>
-    <p:sldId id="308" r:id="rId18"/>
-    <p:sldId id="301" r:id="rId19"/>
-    <p:sldId id="287" r:id="rId20"/>
+    <p:sldId id="312" r:id="rId17"/>
+    <p:sldId id="311" r:id="rId18"/>
+    <p:sldId id="307" r:id="rId19"/>
+    <p:sldId id="308" r:id="rId20"/>
+    <p:sldId id="301" r:id="rId21"/>
+    <p:sldId id="287" r:id="rId22"/>
   </p:sldIdLst>
   <p:sldSz cx="12192000" cy="6858000"/>
   <p:notesSz cx="6858000" cy="9144000"/>
@@ -8043,6 +8045,356 @@
         <p:cNvPr id="1" name="">
           <a:extLst>
             <a:ext uri="{FF2B5EF4-FFF2-40B4-BE49-F238E27FC236}">
+              <a16:creationId xmlns:a16="http://schemas.microsoft.com/office/drawing/2014/main" id="{D624623A-A14C-9359-8F8F-908B42046874}"/>
+            </a:ext>
+          </a:extLst>
+        </p:cNvPr>
+        <p:cNvGrpSpPr/>
+        <p:nvPr/>
+      </p:nvGrpSpPr>
+      <p:grpSpPr>
+        <a:xfrm>
+          <a:off x="0" y="0"/>
+          <a:ext cx="0" cy="0"/>
+          <a:chOff x="0" y="0"/>
+          <a:chExt cx="0" cy="0"/>
+        </a:xfrm>
+      </p:grpSpPr>
+      <p:sp>
+        <p:nvSpPr>
+          <p:cNvPr id="2" name="Title 1">
+            <a:extLst>
+              <a:ext uri="{FF2B5EF4-FFF2-40B4-BE49-F238E27FC236}">
+                <a16:creationId xmlns:a16="http://schemas.microsoft.com/office/drawing/2014/main" id="{22756814-2D1C-B490-0715-DC5D31D138EB}"/>
+              </a:ext>
+            </a:extLst>
+          </p:cNvPr>
+          <p:cNvSpPr>
+            <a:spLocks noGrp="1"/>
+          </p:cNvSpPr>
+          <p:nvPr>
+            <p:ph type="ctrTitle"/>
+          </p:nvPr>
+        </p:nvSpPr>
+        <p:spPr>
+          <a:xfrm>
+            <a:off x="7614303" y="0"/>
+            <a:ext cx="4577698" cy="1051133"/>
+          </a:xfrm>
+        </p:spPr>
+        <p:txBody>
+          <a:bodyPr>
+            <a:normAutofit fontScale="90000"/>
+          </a:bodyPr>
+          <a:lstStyle/>
+          <a:p>
+            <a:r>
+              <a:rPr lang="en-US" b="1" dirty="0">
+                <a:solidFill>
+                  <a:srgbClr val="FF0000"/>
+                </a:solidFill>
+                <a:latin typeface="Times New Roman" panose="02020603050405020304" pitchFamily="18" charset="0"/>
+                <a:cs typeface="Times New Roman" panose="02020603050405020304" pitchFamily="18" charset="0"/>
+              </a:rPr>
+              <a:t>DASHBOARD - 2</a:t>
+            </a:r>
+          </a:p>
+        </p:txBody>
+      </p:sp>
+      <p:sp>
+        <p:nvSpPr>
+          <p:cNvPr id="3" name="Subtitle 2">
+            <a:extLst>
+              <a:ext uri="{FF2B5EF4-FFF2-40B4-BE49-F238E27FC236}">
+                <a16:creationId xmlns:a16="http://schemas.microsoft.com/office/drawing/2014/main" id="{EE689479-34E3-81CD-440E-8BC23763F344}"/>
+              </a:ext>
+            </a:extLst>
+          </p:cNvPr>
+          <p:cNvSpPr>
+            <a:spLocks noGrp="1"/>
+          </p:cNvSpPr>
+          <p:nvPr>
+            <p:ph type="subTitle" idx="1"/>
+          </p:nvPr>
+        </p:nvSpPr>
+        <p:spPr>
+          <a:xfrm>
+            <a:off x="0" y="1316052"/>
+            <a:ext cx="12192000" cy="5358213"/>
+          </a:xfrm>
+        </p:spPr>
+        <p:txBody>
+          <a:bodyPr>
+            <a:normAutofit/>
+          </a:bodyPr>
+          <a:lstStyle/>
+          <a:p>
+            <a:pPr marL="742950" lvl="1" indent="-285750" algn="just">
+              <a:lnSpc>
+                <a:spcPct val="115000"/>
+              </a:lnSpc>
+              <a:spcAft>
+                <a:spcPts val="600"/>
+              </a:spcAft>
+              <a:buFont typeface="Courier New" panose="02070309020205020404" pitchFamily="49" charset="0"/>
+              <a:buChar char="o"/>
+            </a:pPr>
+            <a:endParaRPr lang="en-US" sz="1800" cap="none" dirty="0">
+              <a:solidFill>
+                <a:schemeClr val="bg2">
+                  <a:lumMod val="50000"/>
+                </a:schemeClr>
+              </a:solidFill>
+              <a:effectLst/>
+              <a:latin typeface="Arial" panose="020B0604020202020204" pitchFamily="34" charset="0"/>
+              <a:ea typeface="Arial" panose="020B0604020202020204" pitchFamily="34" charset="0"/>
+            </a:endParaRPr>
+          </a:p>
+          <a:p>
+            <a:pPr algn="l">
+              <a:buClr>
+                <a:schemeClr val="bg2">
+                  <a:lumMod val="50000"/>
+                </a:schemeClr>
+              </a:buClr>
+            </a:pPr>
+            <a:endParaRPr lang="en-US" sz="1800" cap="none" dirty="0">
+              <a:solidFill>
+                <a:schemeClr val="bg2">
+                  <a:lumMod val="50000"/>
+                </a:schemeClr>
+              </a:solidFill>
+              <a:latin typeface="Times New Roman" panose="02020603050405020304" pitchFamily="18" charset="0"/>
+            </a:endParaRPr>
+          </a:p>
+        </p:txBody>
+      </p:sp>
+      <p:pic>
+        <p:nvPicPr>
+          <p:cNvPr id="6" name="Picture 5">
+            <a:extLst>
+              <a:ext uri="{FF2B5EF4-FFF2-40B4-BE49-F238E27FC236}">
+                <a16:creationId xmlns:a16="http://schemas.microsoft.com/office/drawing/2014/main" id="{CBA62F68-FDFA-168F-C740-4BFBB08053B9}"/>
+              </a:ext>
+            </a:extLst>
+          </p:cNvPr>
+          <p:cNvPicPr>
+            <a:picLocks noChangeAspect="1"/>
+          </p:cNvPicPr>
+          <p:nvPr/>
+        </p:nvPicPr>
+        <p:blipFill>
+          <a:blip r:embed="rId2"/>
+          <a:stretch>
+            <a:fillRect/>
+          </a:stretch>
+        </p:blipFill>
+        <p:spPr>
+          <a:xfrm>
+            <a:off x="711145" y="1208995"/>
+            <a:ext cx="10013827" cy="5649005"/>
+          </a:xfrm>
+          <a:prstGeom prst="rect">
+            <a:avLst/>
+          </a:prstGeom>
+        </p:spPr>
+      </p:pic>
+    </p:spTree>
+    <p:extLst>
+      <p:ext uri="{BB962C8B-B14F-4D97-AF65-F5344CB8AC3E}">
+        <p14:creationId xmlns:p14="http://schemas.microsoft.com/office/powerpoint/2010/main" val="1322231978"/>
+      </p:ext>
+    </p:extLst>
+  </p:cSld>
+  <p:clrMapOvr>
+    <a:masterClrMapping/>
+  </p:clrMapOvr>
+</p:sld>
+</file>
+
+<file path=ppt/slides/slide17.xml><?xml version="1.0" encoding="utf-8"?>
+<p:sld xmlns:a="http://schemas.openxmlformats.org/drawingml/2006/main" xmlns:r="http://schemas.openxmlformats.org/officeDocument/2006/relationships" xmlns:p="http://schemas.openxmlformats.org/presentationml/2006/main">
+  <p:cSld>
+    <p:spTree>
+      <p:nvGrpSpPr>
+        <p:cNvPr id="1" name="">
+          <a:extLst>
+            <a:ext uri="{FF2B5EF4-FFF2-40B4-BE49-F238E27FC236}">
+              <a16:creationId xmlns:a16="http://schemas.microsoft.com/office/drawing/2014/main" id="{411E57DD-3DD9-0CE4-C3EE-121B0545517E}"/>
+            </a:ext>
+          </a:extLst>
+        </p:cNvPr>
+        <p:cNvGrpSpPr/>
+        <p:nvPr/>
+      </p:nvGrpSpPr>
+      <p:grpSpPr>
+        <a:xfrm>
+          <a:off x="0" y="0"/>
+          <a:ext cx="0" cy="0"/>
+          <a:chOff x="0" y="0"/>
+          <a:chExt cx="0" cy="0"/>
+        </a:xfrm>
+      </p:grpSpPr>
+      <p:sp>
+        <p:nvSpPr>
+          <p:cNvPr id="2" name="Title 1">
+            <a:extLst>
+              <a:ext uri="{FF2B5EF4-FFF2-40B4-BE49-F238E27FC236}">
+                <a16:creationId xmlns:a16="http://schemas.microsoft.com/office/drawing/2014/main" id="{AF248D6F-9591-EFB4-B8FA-F9B14DF20C38}"/>
+              </a:ext>
+            </a:extLst>
+          </p:cNvPr>
+          <p:cNvSpPr>
+            <a:spLocks noGrp="1"/>
+          </p:cNvSpPr>
+          <p:nvPr>
+            <p:ph type="ctrTitle"/>
+          </p:nvPr>
+        </p:nvSpPr>
+        <p:spPr>
+          <a:xfrm>
+            <a:off x="7614303" y="0"/>
+            <a:ext cx="4577698" cy="1051133"/>
+          </a:xfrm>
+        </p:spPr>
+        <p:txBody>
+          <a:bodyPr>
+            <a:normAutofit fontScale="90000"/>
+          </a:bodyPr>
+          <a:lstStyle/>
+          <a:p>
+            <a:r>
+              <a:rPr lang="en-US" b="1" dirty="0">
+                <a:solidFill>
+                  <a:srgbClr val="FF0000"/>
+                </a:solidFill>
+                <a:latin typeface="Times New Roman" panose="02020603050405020304" pitchFamily="18" charset="0"/>
+                <a:cs typeface="Times New Roman" panose="02020603050405020304" pitchFamily="18" charset="0"/>
+              </a:rPr>
+              <a:t>DASHBOARD - 3</a:t>
+            </a:r>
+          </a:p>
+        </p:txBody>
+      </p:sp>
+      <p:sp>
+        <p:nvSpPr>
+          <p:cNvPr id="3" name="Subtitle 2">
+            <a:extLst>
+              <a:ext uri="{FF2B5EF4-FFF2-40B4-BE49-F238E27FC236}">
+                <a16:creationId xmlns:a16="http://schemas.microsoft.com/office/drawing/2014/main" id="{DE52BA96-8CC3-0C19-85DF-6312FEBF1CD5}"/>
+              </a:ext>
+            </a:extLst>
+          </p:cNvPr>
+          <p:cNvSpPr>
+            <a:spLocks noGrp="1"/>
+          </p:cNvSpPr>
+          <p:nvPr>
+            <p:ph type="subTitle" idx="1"/>
+          </p:nvPr>
+        </p:nvSpPr>
+        <p:spPr>
+          <a:xfrm>
+            <a:off x="0" y="1316052"/>
+            <a:ext cx="12192000" cy="5358213"/>
+          </a:xfrm>
+        </p:spPr>
+        <p:txBody>
+          <a:bodyPr>
+            <a:normAutofit/>
+          </a:bodyPr>
+          <a:lstStyle/>
+          <a:p>
+            <a:pPr marL="742950" lvl="1" indent="-285750" algn="just">
+              <a:lnSpc>
+                <a:spcPct val="115000"/>
+              </a:lnSpc>
+              <a:spcAft>
+                <a:spcPts val="600"/>
+              </a:spcAft>
+              <a:buFont typeface="Courier New" panose="02070309020205020404" pitchFamily="49" charset="0"/>
+              <a:buChar char="o"/>
+            </a:pPr>
+            <a:endParaRPr lang="en-US" sz="1800" cap="none" dirty="0">
+              <a:solidFill>
+                <a:schemeClr val="bg2">
+                  <a:lumMod val="50000"/>
+                </a:schemeClr>
+              </a:solidFill>
+              <a:effectLst/>
+              <a:latin typeface="Arial" panose="020B0604020202020204" pitchFamily="34" charset="0"/>
+              <a:ea typeface="Arial" panose="020B0604020202020204" pitchFamily="34" charset="0"/>
+            </a:endParaRPr>
+          </a:p>
+          <a:p>
+            <a:pPr algn="l">
+              <a:buClr>
+                <a:schemeClr val="bg2">
+                  <a:lumMod val="50000"/>
+                </a:schemeClr>
+              </a:buClr>
+            </a:pPr>
+            <a:endParaRPr lang="en-US" sz="1800" cap="none" dirty="0">
+              <a:solidFill>
+                <a:schemeClr val="bg2">
+                  <a:lumMod val="50000"/>
+                </a:schemeClr>
+              </a:solidFill>
+              <a:latin typeface="Times New Roman" panose="02020603050405020304" pitchFamily="18" charset="0"/>
+            </a:endParaRPr>
+          </a:p>
+        </p:txBody>
+      </p:sp>
+      <p:pic>
+        <p:nvPicPr>
+          <p:cNvPr id="6" name="Picture 5">
+            <a:extLst>
+              <a:ext uri="{FF2B5EF4-FFF2-40B4-BE49-F238E27FC236}">
+                <a16:creationId xmlns:a16="http://schemas.microsoft.com/office/drawing/2014/main" id="{AA18A77F-5B89-743E-22F8-CDA62A4BF495}"/>
+              </a:ext>
+            </a:extLst>
+          </p:cNvPr>
+          <p:cNvPicPr>
+            <a:picLocks noChangeAspect="1"/>
+          </p:cNvPicPr>
+          <p:nvPr/>
+        </p:nvPicPr>
+        <p:blipFill>
+          <a:blip r:embed="rId2"/>
+          <a:stretch>
+            <a:fillRect/>
+          </a:stretch>
+        </p:blipFill>
+        <p:spPr>
+          <a:xfrm>
+            <a:off x="899160" y="1167723"/>
+            <a:ext cx="10393680" cy="5690277"/>
+          </a:xfrm>
+          <a:prstGeom prst="rect">
+            <a:avLst/>
+          </a:prstGeom>
+        </p:spPr>
+      </p:pic>
+    </p:spTree>
+    <p:extLst>
+      <p:ext uri="{BB962C8B-B14F-4D97-AF65-F5344CB8AC3E}">
+        <p14:creationId xmlns:p14="http://schemas.microsoft.com/office/powerpoint/2010/main" val="2243225587"/>
+      </p:ext>
+    </p:extLst>
+  </p:cSld>
+  <p:clrMapOvr>
+    <a:masterClrMapping/>
+  </p:clrMapOvr>
+</p:sld>
+</file>
+
+<file path=ppt/slides/slide18.xml><?xml version="1.0" encoding="utf-8"?>
+<p:sld xmlns:a="http://schemas.openxmlformats.org/drawingml/2006/main" xmlns:r="http://schemas.openxmlformats.org/officeDocument/2006/relationships" xmlns:p="http://schemas.openxmlformats.org/presentationml/2006/main">
+  <p:cSld>
+    <p:spTree>
+      <p:nvGrpSpPr>
+        <p:cNvPr id="1" name="">
+          <a:extLst>
+            <a:ext uri="{FF2B5EF4-FFF2-40B4-BE49-F238E27FC236}">
               <a16:creationId xmlns:a16="http://schemas.microsoft.com/office/drawing/2014/main" id="{2915793D-3985-DE64-5E2A-9DB2048B2756}"/>
             </a:ext>
           </a:extLst>
@@ -8094,7 +8446,7 @@
                 <a:latin typeface="Times New Roman" panose="02020603050405020304" pitchFamily="18" charset="0"/>
                 <a:cs typeface="Times New Roman" panose="02020603050405020304" pitchFamily="18" charset="0"/>
               </a:rPr>
-              <a:t>DASHBOARD - 2</a:t>
+              <a:t>DASHBOARD - 4</a:t>
             </a:r>
           </a:p>
         </p:txBody>
@@ -8210,7 +8562,7 @@
 </p:sld>
 </file>
 
-<file path=ppt/slides/slide17.xml><?xml version="1.0" encoding="utf-8"?>
+<file path=ppt/slides/slide19.xml><?xml version="1.0" encoding="utf-8"?>
 <p:sld xmlns:a="http://schemas.openxmlformats.org/drawingml/2006/main" xmlns:r="http://schemas.openxmlformats.org/officeDocument/2006/relationships" xmlns:p="http://schemas.openxmlformats.org/presentationml/2006/main">
   <p:cSld>
     <p:spTree>
@@ -8269,7 +8621,7 @@
                 <a:latin typeface="Times New Roman" panose="02020603050405020304" pitchFamily="18" charset="0"/>
                 <a:cs typeface="Times New Roman" panose="02020603050405020304" pitchFamily="18" charset="0"/>
               </a:rPr>
-              <a:t>DASHBOARD - 3</a:t>
+              <a:t>DASHBOARD - 4</a:t>
             </a:r>
           </a:p>
         </p:txBody>
@@ -8385,7 +8737,406 @@
 </p:sld>
 </file>
 
-<file path=ppt/slides/slide18.xml><?xml version="1.0" encoding="utf-8"?>
+<file path=ppt/slides/slide2.xml><?xml version="1.0" encoding="utf-8"?>
+<p:sld xmlns:a="http://schemas.openxmlformats.org/drawingml/2006/main" xmlns:r="http://schemas.openxmlformats.org/officeDocument/2006/relationships" xmlns:p="http://schemas.openxmlformats.org/presentationml/2006/main">
+  <p:cSld>
+    <p:spTree>
+      <p:nvGrpSpPr>
+        <p:cNvPr id="1" name="">
+          <a:extLst>
+            <a:ext uri="{FF2B5EF4-FFF2-40B4-BE49-F238E27FC236}">
+              <a16:creationId xmlns:a16="http://schemas.microsoft.com/office/drawing/2014/main" id="{647E9273-B853-2CF9-A03A-AD2207EC219B}"/>
+            </a:ext>
+          </a:extLst>
+        </p:cNvPr>
+        <p:cNvGrpSpPr/>
+        <p:nvPr/>
+      </p:nvGrpSpPr>
+      <p:grpSpPr>
+        <a:xfrm>
+          <a:off x="0" y="0"/>
+          <a:ext cx="0" cy="0"/>
+          <a:chOff x="0" y="0"/>
+          <a:chExt cx="0" cy="0"/>
+        </a:xfrm>
+      </p:grpSpPr>
+      <p:sp>
+        <p:nvSpPr>
+          <p:cNvPr id="3" name="Subtitle 2">
+            <a:extLst>
+              <a:ext uri="{FF2B5EF4-FFF2-40B4-BE49-F238E27FC236}">
+                <a16:creationId xmlns:a16="http://schemas.microsoft.com/office/drawing/2014/main" id="{95029682-7CC7-1974-4356-E1928FA10887}"/>
+              </a:ext>
+            </a:extLst>
+          </p:cNvPr>
+          <p:cNvSpPr>
+            <a:spLocks noGrp="1"/>
+          </p:cNvSpPr>
+          <p:nvPr>
+            <p:ph type="subTitle" idx="1"/>
+          </p:nvPr>
+        </p:nvSpPr>
+        <p:spPr>
+          <a:xfrm>
+            <a:off x="2312276" y="1408386"/>
+            <a:ext cx="9879724" cy="5265879"/>
+          </a:xfrm>
+        </p:spPr>
+        <p:txBody>
+          <a:bodyPr>
+            <a:normAutofit/>
+          </a:bodyPr>
+          <a:lstStyle/>
+          <a:p>
+            <a:pPr marL="514350" indent="-514350" algn="l">
+              <a:buClr>
+                <a:schemeClr val="bg2">
+                  <a:lumMod val="50000"/>
+                </a:schemeClr>
+              </a:buClr>
+              <a:buFont typeface="+mj-lt"/>
+              <a:buAutoNum type="arabicPeriod"/>
+            </a:pPr>
+            <a:r>
+              <a:rPr lang="en-US" sz="3200" cap="none" dirty="0" err="1">
+                <a:solidFill>
+                  <a:schemeClr val="bg2">
+                    <a:lumMod val="50000"/>
+                  </a:schemeClr>
+                </a:solidFill>
+                <a:latin typeface="Times New Roman" panose="02020603050405020304" pitchFamily="18" charset="0"/>
+                <a:ea typeface="Arial" panose="020B0604020202020204" pitchFamily="34" charset="0"/>
+              </a:rPr>
+              <a:t>Giới</a:t>
+            </a:r>
+            <a:r>
+              <a:rPr lang="en-US" sz="3200" cap="none" dirty="0">
+                <a:solidFill>
+                  <a:schemeClr val="bg2">
+                    <a:lumMod val="50000"/>
+                  </a:schemeClr>
+                </a:solidFill>
+                <a:latin typeface="Times New Roman" panose="02020603050405020304" pitchFamily="18" charset="0"/>
+                <a:ea typeface="Arial" panose="020B0604020202020204" pitchFamily="34" charset="0"/>
+              </a:rPr>
+              <a:t> </a:t>
+            </a:r>
+            <a:r>
+              <a:rPr lang="en-US" sz="3200" cap="none" dirty="0" err="1">
+                <a:solidFill>
+                  <a:schemeClr val="bg2">
+                    <a:lumMod val="50000"/>
+                  </a:schemeClr>
+                </a:solidFill>
+                <a:latin typeface="Times New Roman" panose="02020603050405020304" pitchFamily="18" charset="0"/>
+                <a:ea typeface="Arial" panose="020B0604020202020204" pitchFamily="34" charset="0"/>
+              </a:rPr>
+              <a:t>thiệu</a:t>
+            </a:r>
+            <a:endParaRPr lang="en-US" sz="3200" cap="none" dirty="0">
+              <a:solidFill>
+                <a:schemeClr val="bg2">
+                  <a:lumMod val="50000"/>
+                </a:schemeClr>
+              </a:solidFill>
+              <a:latin typeface="Times New Roman" panose="02020603050405020304" pitchFamily="18" charset="0"/>
+              <a:ea typeface="Arial" panose="020B0604020202020204" pitchFamily="34" charset="0"/>
+            </a:endParaRPr>
+          </a:p>
+          <a:p>
+            <a:pPr marL="514350" indent="-514350" algn="l">
+              <a:buClr>
+                <a:schemeClr val="bg2">
+                  <a:lumMod val="50000"/>
+                </a:schemeClr>
+              </a:buClr>
+              <a:buFont typeface="+mj-lt"/>
+              <a:buAutoNum type="arabicPeriod"/>
+            </a:pPr>
+            <a:r>
+              <a:rPr lang="en-US" sz="3200" cap="none" dirty="0" err="1">
+                <a:solidFill>
+                  <a:schemeClr val="bg2">
+                    <a:lumMod val="50000"/>
+                  </a:schemeClr>
+                </a:solidFill>
+                <a:latin typeface="Times New Roman" panose="02020603050405020304" pitchFamily="18" charset="0"/>
+              </a:rPr>
+              <a:t>Lược</a:t>
+            </a:r>
+            <a:r>
+              <a:rPr lang="en-US" sz="3200" cap="none" dirty="0">
+                <a:solidFill>
+                  <a:schemeClr val="bg2">
+                    <a:lumMod val="50000"/>
+                  </a:schemeClr>
+                </a:solidFill>
+                <a:latin typeface="Times New Roman" panose="02020603050405020304" pitchFamily="18" charset="0"/>
+              </a:rPr>
+              <a:t> </a:t>
+            </a:r>
+            <a:r>
+              <a:rPr lang="en-US" sz="3200" cap="none" dirty="0" err="1">
+                <a:solidFill>
+                  <a:schemeClr val="bg2">
+                    <a:lumMod val="50000"/>
+                  </a:schemeClr>
+                </a:solidFill>
+                <a:latin typeface="Times New Roman" panose="02020603050405020304" pitchFamily="18" charset="0"/>
+              </a:rPr>
+              <a:t>đồ</a:t>
+            </a:r>
+            <a:r>
+              <a:rPr lang="en-US" sz="3200" cap="none" dirty="0">
+                <a:solidFill>
+                  <a:schemeClr val="bg2">
+                    <a:lumMod val="50000"/>
+                  </a:schemeClr>
+                </a:solidFill>
+                <a:latin typeface="Times New Roman" panose="02020603050405020304" pitchFamily="18" charset="0"/>
+              </a:rPr>
+              <a:t> </a:t>
+            </a:r>
+            <a:r>
+              <a:rPr lang="en-US" sz="3200" cap="none" dirty="0" err="1">
+                <a:solidFill>
+                  <a:schemeClr val="bg2">
+                    <a:lumMod val="50000"/>
+                  </a:schemeClr>
+                </a:solidFill>
+                <a:latin typeface="Times New Roman" panose="02020603050405020304" pitchFamily="18" charset="0"/>
+              </a:rPr>
+              <a:t>hoạt</a:t>
+            </a:r>
+            <a:r>
+              <a:rPr lang="en-US" sz="3200" cap="none" dirty="0">
+                <a:solidFill>
+                  <a:schemeClr val="bg2">
+                    <a:lumMod val="50000"/>
+                  </a:schemeClr>
+                </a:solidFill>
+                <a:latin typeface="Times New Roman" panose="02020603050405020304" pitchFamily="18" charset="0"/>
+              </a:rPr>
+              <a:t> </a:t>
+            </a:r>
+            <a:r>
+              <a:rPr lang="en-US" sz="3200" cap="none" dirty="0" err="1">
+                <a:solidFill>
+                  <a:schemeClr val="bg2">
+                    <a:lumMod val="50000"/>
+                  </a:schemeClr>
+                </a:solidFill>
+                <a:latin typeface="Times New Roman" panose="02020603050405020304" pitchFamily="18" charset="0"/>
+              </a:rPr>
+              <a:t>động</a:t>
+            </a:r>
+            <a:endParaRPr lang="en-US" sz="3200" cap="none" dirty="0">
+              <a:solidFill>
+                <a:schemeClr val="bg2">
+                  <a:lumMod val="50000"/>
+                </a:schemeClr>
+              </a:solidFill>
+              <a:latin typeface="Times New Roman" panose="02020603050405020304" pitchFamily="18" charset="0"/>
+            </a:endParaRPr>
+          </a:p>
+          <a:p>
+            <a:pPr marL="514350" indent="-514350" algn="l">
+              <a:buClr>
+                <a:schemeClr val="bg2">
+                  <a:lumMod val="50000"/>
+                </a:schemeClr>
+              </a:buClr>
+              <a:buFont typeface="+mj-lt"/>
+              <a:buAutoNum type="arabicPeriod"/>
+            </a:pPr>
+            <a:r>
+              <a:rPr lang="en-US" sz="3200" cap="none" dirty="0">
+                <a:solidFill>
+                  <a:schemeClr val="bg2">
+                    <a:lumMod val="50000"/>
+                  </a:schemeClr>
+                </a:solidFill>
+                <a:latin typeface="Times New Roman" panose="02020603050405020304" pitchFamily="18" charset="0"/>
+              </a:rPr>
+              <a:t>Pipeline</a:t>
+            </a:r>
+          </a:p>
+          <a:p>
+            <a:pPr marL="514350" indent="-514350" algn="l">
+              <a:buClr>
+                <a:schemeClr val="bg2">
+                  <a:lumMod val="50000"/>
+                </a:schemeClr>
+              </a:buClr>
+              <a:buFont typeface="+mj-lt"/>
+              <a:buAutoNum type="arabicPeriod"/>
+            </a:pPr>
+            <a:r>
+              <a:rPr lang="en-US" sz="3200" cap="none" dirty="0" err="1">
+                <a:solidFill>
+                  <a:schemeClr val="bg2">
+                    <a:lumMod val="50000"/>
+                  </a:schemeClr>
+                </a:solidFill>
+                <a:latin typeface="Times New Roman" panose="02020603050405020304" pitchFamily="18" charset="0"/>
+              </a:rPr>
+              <a:t>Lược</a:t>
+            </a:r>
+            <a:r>
+              <a:rPr lang="en-US" sz="3200" cap="none" dirty="0">
+                <a:solidFill>
+                  <a:schemeClr val="bg2">
+                    <a:lumMod val="50000"/>
+                  </a:schemeClr>
+                </a:solidFill>
+                <a:latin typeface="Times New Roman" panose="02020603050405020304" pitchFamily="18" charset="0"/>
+              </a:rPr>
+              <a:t> </a:t>
+            </a:r>
+            <a:r>
+              <a:rPr lang="en-US" sz="3200" cap="none" dirty="0" err="1">
+                <a:solidFill>
+                  <a:schemeClr val="bg2">
+                    <a:lumMod val="50000"/>
+                  </a:schemeClr>
+                </a:solidFill>
+                <a:latin typeface="Times New Roman" panose="02020603050405020304" pitchFamily="18" charset="0"/>
+              </a:rPr>
+              <a:t>đồ</a:t>
+            </a:r>
+            <a:r>
+              <a:rPr lang="en-US" sz="3200" cap="none" dirty="0">
+                <a:solidFill>
+                  <a:schemeClr val="bg2">
+                    <a:lumMod val="50000"/>
+                  </a:schemeClr>
+                </a:solidFill>
+                <a:latin typeface="Times New Roman" panose="02020603050405020304" pitchFamily="18" charset="0"/>
+              </a:rPr>
+              <a:t> ER ở DB – Model View ở </a:t>
+            </a:r>
+            <a:r>
+              <a:rPr lang="en-US" sz="3200" cap="none" dirty="0" err="1">
+                <a:solidFill>
+                  <a:schemeClr val="bg2">
+                    <a:lumMod val="50000"/>
+                  </a:schemeClr>
+                </a:solidFill>
+                <a:latin typeface="Times New Roman" panose="02020603050405020304" pitchFamily="18" charset="0"/>
+              </a:rPr>
+              <a:t>PowerBI</a:t>
+            </a:r>
+            <a:endParaRPr lang="en-US" sz="3200" cap="none" dirty="0">
+              <a:solidFill>
+                <a:schemeClr val="bg2">
+                  <a:lumMod val="50000"/>
+                </a:schemeClr>
+              </a:solidFill>
+              <a:latin typeface="Times New Roman" panose="02020603050405020304" pitchFamily="18" charset="0"/>
+            </a:endParaRPr>
+          </a:p>
+          <a:p>
+            <a:pPr marL="514350" indent="-514350" algn="l">
+              <a:buClr>
+                <a:schemeClr val="bg2">
+                  <a:lumMod val="50000"/>
+                </a:schemeClr>
+              </a:buClr>
+              <a:buFont typeface="+mj-lt"/>
+              <a:buAutoNum type="arabicPeriod"/>
+            </a:pPr>
+            <a:r>
+              <a:rPr lang="en-US" sz="3200" cap="none" dirty="0">
+                <a:solidFill>
+                  <a:schemeClr val="bg2">
+                    <a:lumMod val="50000"/>
+                  </a:schemeClr>
+                </a:solidFill>
+                <a:latin typeface="Times New Roman" panose="02020603050405020304" pitchFamily="18" charset="0"/>
+              </a:rPr>
+              <a:t>Dashboard</a:t>
+            </a:r>
+          </a:p>
+          <a:p>
+            <a:pPr marL="514350" indent="-514350" algn="l">
+              <a:buClr>
+                <a:schemeClr val="bg2">
+                  <a:lumMod val="50000"/>
+                </a:schemeClr>
+              </a:buClr>
+              <a:buFont typeface="+mj-lt"/>
+              <a:buAutoNum type="arabicPeriod"/>
+            </a:pPr>
+            <a:r>
+              <a:rPr lang="en-US" sz="3200" cap="none" dirty="0">
+                <a:solidFill>
+                  <a:schemeClr val="bg2">
+                    <a:lumMod val="50000"/>
+                  </a:schemeClr>
+                </a:solidFill>
+                <a:latin typeface="Times New Roman" panose="02020603050405020304" pitchFamily="18" charset="0"/>
+              </a:rPr>
+              <a:t>Q&amp;A</a:t>
+            </a:r>
+          </a:p>
+          <a:p>
+            <a:pPr algn="l"/>
+            <a:endParaRPr lang="en-US" sz="1800" cap="none" dirty="0">
+              <a:solidFill>
+                <a:schemeClr val="bg2">
+                  <a:lumMod val="50000"/>
+                </a:schemeClr>
+              </a:solidFill>
+              <a:latin typeface="Times New Roman" panose="02020603050405020304" pitchFamily="18" charset="0"/>
+              <a:ea typeface="Arial" panose="020B0604020202020204" pitchFamily="34" charset="0"/>
+            </a:endParaRPr>
+          </a:p>
+          <a:p>
+            <a:pPr algn="l"/>
+            <a:endParaRPr lang="en-US" sz="1800" cap="none" dirty="0">
+              <a:solidFill>
+                <a:schemeClr val="bg2">
+                  <a:lumMod val="50000"/>
+                </a:schemeClr>
+              </a:solidFill>
+              <a:effectLst/>
+              <a:latin typeface="Arial" panose="020B0604020202020204" pitchFamily="34" charset="0"/>
+              <a:ea typeface="Arial" panose="020B0604020202020204" pitchFamily="34" charset="0"/>
+            </a:endParaRPr>
+          </a:p>
+          <a:p>
+            <a:pPr algn="l">
+              <a:buClr>
+                <a:schemeClr val="bg2">
+                  <a:lumMod val="50000"/>
+                </a:schemeClr>
+              </a:buClr>
+            </a:pPr>
+            <a:endParaRPr lang="en-US" sz="1800" cap="none" dirty="0">
+              <a:solidFill>
+                <a:schemeClr val="bg2">
+                  <a:lumMod val="50000"/>
+                </a:schemeClr>
+              </a:solidFill>
+              <a:latin typeface="Times New Roman" panose="02020603050405020304" pitchFamily="18" charset="0"/>
+            </a:endParaRPr>
+          </a:p>
+        </p:txBody>
+      </p:sp>
+    </p:spTree>
+    <p:extLst>
+      <p:ext uri="{BB962C8B-B14F-4D97-AF65-F5344CB8AC3E}">
+        <p14:creationId xmlns:p14="http://schemas.microsoft.com/office/powerpoint/2010/main" val="1611181460"/>
+      </p:ext>
+    </p:extLst>
+  </p:cSld>
+  <p:clrMapOvr>
+    <a:masterClrMapping/>
+  </p:clrMapOvr>
+</p:sld>
+</file>
+
+<file path=ppt/slides/slide20.xml><?xml version="1.0" encoding="utf-8"?>
 <p:sld xmlns:a="http://schemas.openxmlformats.org/drawingml/2006/main" xmlns:r="http://schemas.openxmlformats.org/officeDocument/2006/relationships" xmlns:p="http://schemas.openxmlformats.org/presentationml/2006/main">
   <p:cSld>
     <p:spTree>
@@ -8734,7 +9485,7 @@
 </p:sld>
 </file>
 
-<file path=ppt/slides/slide19.xml><?xml version="1.0" encoding="utf-8"?>
+<file path=ppt/slides/slide21.xml><?xml version="1.0" encoding="utf-8"?>
 <p:sld xmlns:a="http://schemas.openxmlformats.org/drawingml/2006/main" xmlns:r="http://schemas.openxmlformats.org/officeDocument/2006/relationships" xmlns:p="http://schemas.openxmlformats.org/presentationml/2006/main">
   <p:cSld>
     <p:spTree>
@@ -8800,405 +9551,6 @@
 </p:sld>
 </file>
 
-<file path=ppt/slides/slide2.xml><?xml version="1.0" encoding="utf-8"?>
-<p:sld xmlns:a="http://schemas.openxmlformats.org/drawingml/2006/main" xmlns:r="http://schemas.openxmlformats.org/officeDocument/2006/relationships" xmlns:p="http://schemas.openxmlformats.org/presentationml/2006/main">
-  <p:cSld>
-    <p:spTree>
-      <p:nvGrpSpPr>
-        <p:cNvPr id="1" name="">
-          <a:extLst>
-            <a:ext uri="{FF2B5EF4-FFF2-40B4-BE49-F238E27FC236}">
-              <a16:creationId xmlns:a16="http://schemas.microsoft.com/office/drawing/2014/main" id="{647E9273-B853-2CF9-A03A-AD2207EC219B}"/>
-            </a:ext>
-          </a:extLst>
-        </p:cNvPr>
-        <p:cNvGrpSpPr/>
-        <p:nvPr/>
-      </p:nvGrpSpPr>
-      <p:grpSpPr>
-        <a:xfrm>
-          <a:off x="0" y="0"/>
-          <a:ext cx="0" cy="0"/>
-          <a:chOff x="0" y="0"/>
-          <a:chExt cx="0" cy="0"/>
-        </a:xfrm>
-      </p:grpSpPr>
-      <p:sp>
-        <p:nvSpPr>
-          <p:cNvPr id="3" name="Subtitle 2">
-            <a:extLst>
-              <a:ext uri="{FF2B5EF4-FFF2-40B4-BE49-F238E27FC236}">
-                <a16:creationId xmlns:a16="http://schemas.microsoft.com/office/drawing/2014/main" id="{95029682-7CC7-1974-4356-E1928FA10887}"/>
-              </a:ext>
-            </a:extLst>
-          </p:cNvPr>
-          <p:cNvSpPr>
-            <a:spLocks noGrp="1"/>
-          </p:cNvSpPr>
-          <p:nvPr>
-            <p:ph type="subTitle" idx="1"/>
-          </p:nvPr>
-        </p:nvSpPr>
-        <p:spPr>
-          <a:xfrm>
-            <a:off x="2312276" y="1408386"/>
-            <a:ext cx="9879724" cy="5265879"/>
-          </a:xfrm>
-        </p:spPr>
-        <p:txBody>
-          <a:bodyPr>
-            <a:normAutofit/>
-          </a:bodyPr>
-          <a:lstStyle/>
-          <a:p>
-            <a:pPr marL="514350" indent="-514350" algn="l">
-              <a:buClr>
-                <a:schemeClr val="bg2">
-                  <a:lumMod val="50000"/>
-                </a:schemeClr>
-              </a:buClr>
-              <a:buFont typeface="+mj-lt"/>
-              <a:buAutoNum type="arabicPeriod"/>
-            </a:pPr>
-            <a:r>
-              <a:rPr lang="en-US" sz="3200" cap="none" dirty="0" err="1">
-                <a:solidFill>
-                  <a:schemeClr val="bg2">
-                    <a:lumMod val="50000"/>
-                  </a:schemeClr>
-                </a:solidFill>
-                <a:latin typeface="Times New Roman" panose="02020603050405020304" pitchFamily="18" charset="0"/>
-                <a:ea typeface="Arial" panose="020B0604020202020204" pitchFamily="34" charset="0"/>
-              </a:rPr>
-              <a:t>Giới</a:t>
-            </a:r>
-            <a:r>
-              <a:rPr lang="en-US" sz="3200" cap="none" dirty="0">
-                <a:solidFill>
-                  <a:schemeClr val="bg2">
-                    <a:lumMod val="50000"/>
-                  </a:schemeClr>
-                </a:solidFill>
-                <a:latin typeface="Times New Roman" panose="02020603050405020304" pitchFamily="18" charset="0"/>
-                <a:ea typeface="Arial" panose="020B0604020202020204" pitchFamily="34" charset="0"/>
-              </a:rPr>
-              <a:t> </a:t>
-            </a:r>
-            <a:r>
-              <a:rPr lang="en-US" sz="3200" cap="none" dirty="0" err="1">
-                <a:solidFill>
-                  <a:schemeClr val="bg2">
-                    <a:lumMod val="50000"/>
-                  </a:schemeClr>
-                </a:solidFill>
-                <a:latin typeface="Times New Roman" panose="02020603050405020304" pitchFamily="18" charset="0"/>
-                <a:ea typeface="Arial" panose="020B0604020202020204" pitchFamily="34" charset="0"/>
-              </a:rPr>
-              <a:t>thiệu</a:t>
-            </a:r>
-            <a:endParaRPr lang="en-US" sz="3200" cap="none" dirty="0">
-              <a:solidFill>
-                <a:schemeClr val="bg2">
-                  <a:lumMod val="50000"/>
-                </a:schemeClr>
-              </a:solidFill>
-              <a:latin typeface="Times New Roman" panose="02020603050405020304" pitchFamily="18" charset="0"/>
-              <a:ea typeface="Arial" panose="020B0604020202020204" pitchFamily="34" charset="0"/>
-            </a:endParaRPr>
-          </a:p>
-          <a:p>
-            <a:pPr marL="514350" indent="-514350" algn="l">
-              <a:buClr>
-                <a:schemeClr val="bg2">
-                  <a:lumMod val="50000"/>
-                </a:schemeClr>
-              </a:buClr>
-              <a:buFont typeface="+mj-lt"/>
-              <a:buAutoNum type="arabicPeriod"/>
-            </a:pPr>
-            <a:r>
-              <a:rPr lang="en-US" sz="3200" cap="none" dirty="0" err="1">
-                <a:solidFill>
-                  <a:schemeClr val="bg2">
-                    <a:lumMod val="50000"/>
-                  </a:schemeClr>
-                </a:solidFill>
-                <a:latin typeface="Times New Roman" panose="02020603050405020304" pitchFamily="18" charset="0"/>
-              </a:rPr>
-              <a:t>Lược</a:t>
-            </a:r>
-            <a:r>
-              <a:rPr lang="en-US" sz="3200" cap="none" dirty="0">
-                <a:solidFill>
-                  <a:schemeClr val="bg2">
-                    <a:lumMod val="50000"/>
-                  </a:schemeClr>
-                </a:solidFill>
-                <a:latin typeface="Times New Roman" panose="02020603050405020304" pitchFamily="18" charset="0"/>
-              </a:rPr>
-              <a:t> </a:t>
-            </a:r>
-            <a:r>
-              <a:rPr lang="en-US" sz="3200" cap="none" dirty="0" err="1">
-                <a:solidFill>
-                  <a:schemeClr val="bg2">
-                    <a:lumMod val="50000"/>
-                  </a:schemeClr>
-                </a:solidFill>
-                <a:latin typeface="Times New Roman" panose="02020603050405020304" pitchFamily="18" charset="0"/>
-              </a:rPr>
-              <a:t>đồ</a:t>
-            </a:r>
-            <a:r>
-              <a:rPr lang="en-US" sz="3200" cap="none" dirty="0">
-                <a:solidFill>
-                  <a:schemeClr val="bg2">
-                    <a:lumMod val="50000"/>
-                  </a:schemeClr>
-                </a:solidFill>
-                <a:latin typeface="Times New Roman" panose="02020603050405020304" pitchFamily="18" charset="0"/>
-              </a:rPr>
-              <a:t> </a:t>
-            </a:r>
-            <a:r>
-              <a:rPr lang="en-US" sz="3200" cap="none" dirty="0" err="1">
-                <a:solidFill>
-                  <a:schemeClr val="bg2">
-                    <a:lumMod val="50000"/>
-                  </a:schemeClr>
-                </a:solidFill>
-                <a:latin typeface="Times New Roman" panose="02020603050405020304" pitchFamily="18" charset="0"/>
-              </a:rPr>
-              <a:t>hoạt</a:t>
-            </a:r>
-            <a:r>
-              <a:rPr lang="en-US" sz="3200" cap="none" dirty="0">
-                <a:solidFill>
-                  <a:schemeClr val="bg2">
-                    <a:lumMod val="50000"/>
-                  </a:schemeClr>
-                </a:solidFill>
-                <a:latin typeface="Times New Roman" panose="02020603050405020304" pitchFamily="18" charset="0"/>
-              </a:rPr>
-              <a:t> </a:t>
-            </a:r>
-            <a:r>
-              <a:rPr lang="en-US" sz="3200" cap="none" dirty="0" err="1">
-                <a:solidFill>
-                  <a:schemeClr val="bg2">
-                    <a:lumMod val="50000"/>
-                  </a:schemeClr>
-                </a:solidFill>
-                <a:latin typeface="Times New Roman" panose="02020603050405020304" pitchFamily="18" charset="0"/>
-              </a:rPr>
-              <a:t>động</a:t>
-            </a:r>
-            <a:endParaRPr lang="en-US" sz="3200" cap="none" dirty="0">
-              <a:solidFill>
-                <a:schemeClr val="bg2">
-                  <a:lumMod val="50000"/>
-                </a:schemeClr>
-              </a:solidFill>
-              <a:latin typeface="Times New Roman" panose="02020603050405020304" pitchFamily="18" charset="0"/>
-            </a:endParaRPr>
-          </a:p>
-          <a:p>
-            <a:pPr marL="514350" indent="-514350" algn="l">
-              <a:buClr>
-                <a:schemeClr val="bg2">
-                  <a:lumMod val="50000"/>
-                </a:schemeClr>
-              </a:buClr>
-              <a:buFont typeface="+mj-lt"/>
-              <a:buAutoNum type="arabicPeriod"/>
-            </a:pPr>
-            <a:r>
-              <a:rPr lang="en-US" sz="3200" cap="none" dirty="0">
-                <a:solidFill>
-                  <a:schemeClr val="bg2">
-                    <a:lumMod val="50000"/>
-                  </a:schemeClr>
-                </a:solidFill>
-                <a:latin typeface="Times New Roman" panose="02020603050405020304" pitchFamily="18" charset="0"/>
-              </a:rPr>
-              <a:t>Pipeline</a:t>
-            </a:r>
-          </a:p>
-          <a:p>
-            <a:pPr marL="514350" indent="-514350" algn="l">
-              <a:buClr>
-                <a:schemeClr val="bg2">
-                  <a:lumMod val="50000"/>
-                </a:schemeClr>
-              </a:buClr>
-              <a:buFont typeface="+mj-lt"/>
-              <a:buAutoNum type="arabicPeriod"/>
-            </a:pPr>
-            <a:r>
-              <a:rPr lang="en-US" sz="3200" cap="none" dirty="0" err="1">
-                <a:solidFill>
-                  <a:schemeClr val="bg2">
-                    <a:lumMod val="50000"/>
-                  </a:schemeClr>
-                </a:solidFill>
-                <a:latin typeface="Times New Roman" panose="02020603050405020304" pitchFamily="18" charset="0"/>
-              </a:rPr>
-              <a:t>Lược</a:t>
-            </a:r>
-            <a:r>
-              <a:rPr lang="en-US" sz="3200" cap="none" dirty="0">
-                <a:solidFill>
-                  <a:schemeClr val="bg2">
-                    <a:lumMod val="50000"/>
-                  </a:schemeClr>
-                </a:solidFill>
-                <a:latin typeface="Times New Roman" panose="02020603050405020304" pitchFamily="18" charset="0"/>
-              </a:rPr>
-              <a:t> </a:t>
-            </a:r>
-            <a:r>
-              <a:rPr lang="en-US" sz="3200" cap="none" dirty="0" err="1">
-                <a:solidFill>
-                  <a:schemeClr val="bg2">
-                    <a:lumMod val="50000"/>
-                  </a:schemeClr>
-                </a:solidFill>
-                <a:latin typeface="Times New Roman" panose="02020603050405020304" pitchFamily="18" charset="0"/>
-              </a:rPr>
-              <a:t>đồ</a:t>
-            </a:r>
-            <a:r>
-              <a:rPr lang="en-US" sz="3200" cap="none" dirty="0">
-                <a:solidFill>
-                  <a:schemeClr val="bg2">
-                    <a:lumMod val="50000"/>
-                  </a:schemeClr>
-                </a:solidFill>
-                <a:latin typeface="Times New Roman" panose="02020603050405020304" pitchFamily="18" charset="0"/>
-              </a:rPr>
-              <a:t> ER ở DB – Model View ở </a:t>
-            </a:r>
-            <a:r>
-              <a:rPr lang="en-US" sz="3200" cap="none" dirty="0" err="1">
-                <a:solidFill>
-                  <a:schemeClr val="bg2">
-                    <a:lumMod val="50000"/>
-                  </a:schemeClr>
-                </a:solidFill>
-                <a:latin typeface="Times New Roman" panose="02020603050405020304" pitchFamily="18" charset="0"/>
-              </a:rPr>
-              <a:t>PowerBI</a:t>
-            </a:r>
-            <a:endParaRPr lang="en-US" sz="3200" cap="none" dirty="0">
-              <a:solidFill>
-                <a:schemeClr val="bg2">
-                  <a:lumMod val="50000"/>
-                </a:schemeClr>
-              </a:solidFill>
-              <a:latin typeface="Times New Roman" panose="02020603050405020304" pitchFamily="18" charset="0"/>
-            </a:endParaRPr>
-          </a:p>
-          <a:p>
-            <a:pPr marL="514350" indent="-514350" algn="l">
-              <a:buClr>
-                <a:schemeClr val="bg2">
-                  <a:lumMod val="50000"/>
-                </a:schemeClr>
-              </a:buClr>
-              <a:buFont typeface="+mj-lt"/>
-              <a:buAutoNum type="arabicPeriod"/>
-            </a:pPr>
-            <a:r>
-              <a:rPr lang="en-US" sz="3200" cap="none" dirty="0">
-                <a:solidFill>
-                  <a:schemeClr val="bg2">
-                    <a:lumMod val="50000"/>
-                  </a:schemeClr>
-                </a:solidFill>
-                <a:latin typeface="Times New Roman" panose="02020603050405020304" pitchFamily="18" charset="0"/>
-              </a:rPr>
-              <a:t>Dashboard</a:t>
-            </a:r>
-          </a:p>
-          <a:p>
-            <a:pPr marL="514350" indent="-514350" algn="l">
-              <a:buClr>
-                <a:schemeClr val="bg2">
-                  <a:lumMod val="50000"/>
-                </a:schemeClr>
-              </a:buClr>
-              <a:buFont typeface="+mj-lt"/>
-              <a:buAutoNum type="arabicPeriod"/>
-            </a:pPr>
-            <a:r>
-              <a:rPr lang="en-US" sz="3200" cap="none" dirty="0">
-                <a:solidFill>
-                  <a:schemeClr val="bg2">
-                    <a:lumMod val="50000"/>
-                  </a:schemeClr>
-                </a:solidFill>
-                <a:latin typeface="Times New Roman" panose="02020603050405020304" pitchFamily="18" charset="0"/>
-              </a:rPr>
-              <a:t>Q&amp;A</a:t>
-            </a:r>
-          </a:p>
-          <a:p>
-            <a:pPr algn="l"/>
-            <a:endParaRPr lang="en-US" sz="1800" cap="none" dirty="0">
-              <a:solidFill>
-                <a:schemeClr val="bg2">
-                  <a:lumMod val="50000"/>
-                </a:schemeClr>
-              </a:solidFill>
-              <a:latin typeface="Times New Roman" panose="02020603050405020304" pitchFamily="18" charset="0"/>
-              <a:ea typeface="Arial" panose="020B0604020202020204" pitchFamily="34" charset="0"/>
-            </a:endParaRPr>
-          </a:p>
-          <a:p>
-            <a:pPr algn="l"/>
-            <a:endParaRPr lang="en-US" sz="1800" cap="none" dirty="0">
-              <a:solidFill>
-                <a:schemeClr val="bg2">
-                  <a:lumMod val="50000"/>
-                </a:schemeClr>
-              </a:solidFill>
-              <a:effectLst/>
-              <a:latin typeface="Arial" panose="020B0604020202020204" pitchFamily="34" charset="0"/>
-              <a:ea typeface="Arial" panose="020B0604020202020204" pitchFamily="34" charset="0"/>
-            </a:endParaRPr>
-          </a:p>
-          <a:p>
-            <a:pPr algn="l">
-              <a:buClr>
-                <a:schemeClr val="bg2">
-                  <a:lumMod val="50000"/>
-                </a:schemeClr>
-              </a:buClr>
-            </a:pPr>
-            <a:endParaRPr lang="en-US" sz="1800" cap="none" dirty="0">
-              <a:solidFill>
-                <a:schemeClr val="bg2">
-                  <a:lumMod val="50000"/>
-                </a:schemeClr>
-              </a:solidFill>
-              <a:latin typeface="Times New Roman" panose="02020603050405020304" pitchFamily="18" charset="0"/>
-            </a:endParaRPr>
-          </a:p>
-        </p:txBody>
-      </p:sp>
-    </p:spTree>
-    <p:extLst>
-      <p:ext uri="{BB962C8B-B14F-4D97-AF65-F5344CB8AC3E}">
-        <p14:creationId xmlns:p14="http://schemas.microsoft.com/office/powerpoint/2010/main" val="1611181460"/>
-      </p:ext>
-    </p:extLst>
-  </p:cSld>
-  <p:clrMapOvr>
-    <a:masterClrMapping/>
-  </p:clrMapOvr>
-</p:sld>
-</file>
-
 <file path=ppt/slides/slide3.xml><?xml version="1.0" encoding="utf-8"?>
 <p:sld xmlns:a="http://schemas.openxmlformats.org/drawingml/2006/main" xmlns:r="http://schemas.openxmlformats.org/officeDocument/2006/relationships" xmlns:p="http://schemas.openxmlformats.org/presentationml/2006/main">
   <p:cSld>
@@ -10422,8 +10774,93 @@
                 </a:solidFill>
                 <a:latin typeface="Times New Roman" panose="02020603050405020304" pitchFamily="18" charset="0"/>
               </a:rPr>
-              <a:t>.</a:t>
-            </a:r>
+              <a:t>, </a:t>
+            </a:r>
+            <a:r>
+              <a:rPr lang="en-US" sz="2800" cap="none" dirty="0" err="1">
+                <a:solidFill>
+                  <a:schemeClr val="bg2">
+                    <a:lumMod val="50000"/>
+                  </a:schemeClr>
+                </a:solidFill>
+                <a:latin typeface="Times New Roman" panose="02020603050405020304" pitchFamily="18" charset="0"/>
+              </a:rPr>
+              <a:t>theo</a:t>
+            </a:r>
+            <a:r>
+              <a:rPr lang="en-US" sz="2800" cap="none" dirty="0">
+                <a:solidFill>
+                  <a:schemeClr val="bg2">
+                    <a:lumMod val="50000"/>
+                  </a:schemeClr>
+                </a:solidFill>
+                <a:latin typeface="Times New Roman" panose="02020603050405020304" pitchFamily="18" charset="0"/>
+              </a:rPr>
+              <a:t> </a:t>
+            </a:r>
+            <a:r>
+              <a:rPr lang="en-US" sz="2800" cap="none" dirty="0" err="1">
+                <a:solidFill>
+                  <a:schemeClr val="bg2">
+                    <a:lumMod val="50000"/>
+                  </a:schemeClr>
+                </a:solidFill>
+                <a:latin typeface="Times New Roman" panose="02020603050405020304" pitchFamily="18" charset="0"/>
+              </a:rPr>
+              <a:t>tuần</a:t>
+            </a:r>
+            <a:r>
+              <a:rPr lang="en-US" sz="2800" cap="none" dirty="0">
+                <a:solidFill>
+                  <a:schemeClr val="bg2">
+                    <a:lumMod val="50000"/>
+                  </a:schemeClr>
+                </a:solidFill>
+                <a:latin typeface="Times New Roman" panose="02020603050405020304" pitchFamily="18" charset="0"/>
+              </a:rPr>
+              <a:t>, </a:t>
+            </a:r>
+            <a:r>
+              <a:rPr lang="en-US" sz="2800" cap="none" dirty="0" err="1">
+                <a:solidFill>
+                  <a:schemeClr val="bg2">
+                    <a:lumMod val="50000"/>
+                  </a:schemeClr>
+                </a:solidFill>
+                <a:latin typeface="Times New Roman" panose="02020603050405020304" pitchFamily="18" charset="0"/>
+              </a:rPr>
+              <a:t>theo</a:t>
+            </a:r>
+            <a:r>
+              <a:rPr lang="en-US" sz="2800" cap="none" dirty="0">
+                <a:solidFill>
+                  <a:schemeClr val="bg2">
+                    <a:lumMod val="50000"/>
+                  </a:schemeClr>
+                </a:solidFill>
+                <a:latin typeface="Times New Roman" panose="02020603050405020304" pitchFamily="18" charset="0"/>
+              </a:rPr>
+              <a:t> </a:t>
+            </a:r>
+            <a:r>
+              <a:rPr lang="en-US" sz="2800" cap="none" dirty="0" err="1">
+                <a:solidFill>
+                  <a:schemeClr val="bg2">
+                    <a:lumMod val="50000"/>
+                  </a:schemeClr>
+                </a:solidFill>
+                <a:latin typeface="Times New Roman" panose="02020603050405020304" pitchFamily="18" charset="0"/>
+              </a:rPr>
+              <a:t>tháng</a:t>
+            </a:r>
+            <a:endParaRPr lang="en-US" sz="2800" cap="none" dirty="0">
+              <a:solidFill>
+                <a:schemeClr val="bg2">
+                  <a:lumMod val="50000"/>
+                </a:schemeClr>
+              </a:solidFill>
+              <a:latin typeface="Times New Roman" panose="02020603050405020304" pitchFamily="18" charset="0"/>
+            </a:endParaRPr>
           </a:p>
           <a:p>
             <a:pPr marL="1200150" lvl="3" indent="-285750" algn="l">

--- a/doc/project/report.pptx
+++ b/doc/project/report.pptx
@@ -12783,11 +12783,11 @@
       </p:sp>
       <p:pic>
         <p:nvPicPr>
-          <p:cNvPr id="4" name="Picture 3" descr="A screenshot of a computer&#10;&#10;Description automatically generated">
+          <p:cNvPr id="6" name="Picture 5" descr="A diagram of a flowchart&#10;&#10;Description automatically generated">
             <a:hlinkClick r:id="rId2"/>
             <a:extLst>
               <a:ext uri="{FF2B5EF4-FFF2-40B4-BE49-F238E27FC236}">
-                <a16:creationId xmlns:a16="http://schemas.microsoft.com/office/drawing/2014/main" id="{339F96D5-BBEE-E0A1-AA46-262942252129}"/>
+                <a16:creationId xmlns:a16="http://schemas.microsoft.com/office/drawing/2014/main" id="{9D35E9F3-C111-B288-BEDB-0F286204AE6D}"/>
               </a:ext>
             </a:extLst>
           </p:cNvPr>
@@ -12797,21 +12797,15 @@
           <p:nvPr/>
         </p:nvPicPr>
         <p:blipFill>
-          <a:blip r:embed="rId3" cstate="print">
-            <a:extLst>
-              <a:ext uri="{28A0092B-C50C-407E-A947-70E740481C1C}">
-                <a14:useLocalDpi xmlns:a14="http://schemas.microsoft.com/office/drawing/2010/main" val="0"/>
-              </a:ext>
-            </a:extLst>
-          </a:blip>
+          <a:blip r:embed="rId3"/>
           <a:stretch>
             <a:fillRect/>
           </a:stretch>
         </p:blipFill>
         <p:spPr>
           <a:xfrm>
-            <a:off x="3214480" y="1430912"/>
-            <a:ext cx="3843085" cy="5128491"/>
+            <a:off x="0" y="2068414"/>
+            <a:ext cx="12192000" cy="4020464"/>
           </a:xfrm>
           <a:prstGeom prst="rect">
             <a:avLst/>
